--- a/l02blur.pptx
+++ b/l02blur.pptx
@@ -5,7 +5,7 @@
     <p:sldMasterId id="2147483660" r:id="rId1"/>
   </p:sldMasterIdLst>
   <p:notesMasterIdLst>
-    <p:notesMasterId r:id="rId32"/>
+    <p:notesMasterId r:id="rId33"/>
   </p:notesMasterIdLst>
   <p:sldIdLst>
     <p:sldId id="256" r:id="rId2"/>
@@ -32,12 +32,13 @@
     <p:sldId id="277" r:id="rId23"/>
     <p:sldId id="300" r:id="rId24"/>
     <p:sldId id="299" r:id="rId25"/>
-    <p:sldId id="314" r:id="rId26"/>
-    <p:sldId id="313" r:id="rId27"/>
-    <p:sldId id="308" r:id="rId28"/>
-    <p:sldId id="309" r:id="rId29"/>
-    <p:sldId id="310" r:id="rId30"/>
-    <p:sldId id="311" r:id="rId31"/>
+    <p:sldId id="320" r:id="rId26"/>
+    <p:sldId id="314" r:id="rId27"/>
+    <p:sldId id="313" r:id="rId28"/>
+    <p:sldId id="308" r:id="rId29"/>
+    <p:sldId id="309" r:id="rId30"/>
+    <p:sldId id="310" r:id="rId31"/>
+    <p:sldId id="311" r:id="rId32"/>
   </p:sldIdLst>
   <p:sldSz cx="9144000" cy="6858000" type="screen4x3"/>
   <p:notesSz cx="6858000" cy="9144000"/>
@@ -3607,6 +3608,13 @@
   <p:clrMapOvr>
     <a:masterClrMapping/>
   </p:clrMapOvr>
+  <p:timing>
+    <p:tnLst>
+      <p:par>
+        <p:cTn id="1" dur="indefinite" restart="never" nodeType="tmRoot"/>
+      </p:par>
+    </p:tnLst>
+  </p:timing>
 </p:sld>
 </file>
 
@@ -3743,6 +3751,13 @@
   <p:clrMapOvr>
     <a:masterClrMapping/>
   </p:clrMapOvr>
+  <p:timing>
+    <p:tnLst>
+      <p:par>
+        <p:cTn id="1" dur="indefinite" restart="never" nodeType="tmRoot"/>
+      </p:par>
+    </p:tnLst>
+  </p:timing>
 </p:sld>
 </file>
 
@@ -5127,6 +5142,13 @@
   <p:clrMapOvr>
     <a:masterClrMapping/>
   </p:clrMapOvr>
+  <p:timing>
+    <p:tnLst>
+      <p:par>
+        <p:cTn id="1" dur="indefinite" restart="never" nodeType="tmRoot"/>
+      </p:par>
+    </p:tnLst>
+  </p:timing>
 </p:sld>
 </file>
 
@@ -7796,14 +7818,7 @@
                                   <a:latin typeface="Cambria Math" panose="02040503050406030204" pitchFamily="18" charset="0"/>
                                   <a:ea typeface="Cambria Math" panose="02040503050406030204" pitchFamily="18" charset="0"/>
                                 </a:rPr>
-                                <m:t>(</m:t>
-                              </m:r>
-                              <m:r>
-                                <a:rPr lang="en-US" i="1">
-                                  <a:latin typeface="Cambria Math" panose="02040503050406030204" pitchFamily="18" charset="0"/>
-                                  <a:ea typeface="Cambria Math" panose="02040503050406030204" pitchFamily="18" charset="0"/>
-                                </a:rPr>
-                                <m:t>2</m:t>
+                                <m:t>(2</m:t>
                               </m:r>
                               <m:r>
                                 <a:rPr lang="en-US" i="1">
@@ -7817,21 +7832,7 @@
                                   <a:latin typeface="Cambria Math" panose="02040503050406030204" pitchFamily="18" charset="0"/>
                                   <a:ea typeface="Cambria Math" panose="02040503050406030204" pitchFamily="18" charset="0"/>
                                 </a:rPr>
-                                <m:t>+</m:t>
-                              </m:r>
-                              <m:r>
-                                <a:rPr lang="en-US" i="1">
-                                  <a:latin typeface="Cambria Math" panose="02040503050406030204" pitchFamily="18" charset="0"/>
-                                  <a:ea typeface="Cambria Math" panose="02040503050406030204" pitchFamily="18" charset="0"/>
-                                </a:rPr>
-                                <m:t>1</m:t>
-                              </m:r>
-                              <m:r>
-                                <a:rPr lang="en-US" i="1">
-                                  <a:latin typeface="Cambria Math" panose="02040503050406030204" pitchFamily="18" charset="0"/>
-                                  <a:ea typeface="Cambria Math" panose="02040503050406030204" pitchFamily="18" charset="0"/>
-                                </a:rPr>
-                                <m:t>)</m:t>
+                                <m:t>+1)</m:t>
                               </m:r>
                             </m:e>
                             <m:sup>
@@ -8896,6 +8897,13 @@
   <p:clrMapOvr>
     <a:masterClrMapping/>
   </p:clrMapOvr>
+  <p:timing>
+    <p:tnLst>
+      <p:par>
+        <p:cTn id="1" dur="indefinite" restart="never" nodeType="tmRoot"/>
+      </p:par>
+    </p:tnLst>
+  </p:timing>
 </p:sld>
 </file>
 
@@ -9085,7 +9093,6 @@
               <a:rPr lang="ru-RU" dirty="0"/>
               <a:t> 2.7,</a:t>
             </a:r>
-            <a:endParaRPr lang="ru-RU" dirty="0"/>
           </a:p>
         </p:txBody>
       </p:sp>
@@ -9286,31 +9293,7 @@
                 <a:ea typeface="Consolas" charset="0"/>
                 <a:cs typeface="Consolas" charset="0"/>
               </a:rPr>
-              <a:t> = </a:t>
-            </a:r>
-            <a:r>
-              <a:rPr lang="en-US" dirty="0" smtClean="0">
-                <a:latin typeface="Consolas" charset="0"/>
-                <a:ea typeface="Consolas" charset="0"/>
-                <a:cs typeface="Consolas" charset="0"/>
-              </a:rPr>
-              <a:t>cv2.imread('darwin.png</a:t>
-            </a:r>
-            <a:r>
-              <a:rPr lang="en-US" dirty="0" smtClean="0">
-                <a:latin typeface="Consolas" charset="0"/>
-                <a:ea typeface="Consolas" charset="0"/>
-                <a:cs typeface="Consolas" charset="0"/>
-              </a:rPr>
-              <a:t>'</a:t>
-            </a:r>
-            <a:r>
-              <a:rPr lang="en-US" dirty="0" smtClean="0">
-                <a:latin typeface="Consolas" charset="0"/>
-                <a:ea typeface="Consolas" charset="0"/>
-                <a:cs typeface="Consolas" charset="0"/>
-              </a:rPr>
-              <a:t>)</a:t>
+              <a:t> = cv2.imread('darwin.png')</a:t>
             </a:r>
           </a:p>
           <a:p>
@@ -9424,6 +9407,13 @@
   <p:clrMapOvr>
     <a:masterClrMapping/>
   </p:clrMapOvr>
+  <p:timing>
+    <p:tnLst>
+      <p:par>
+        <p:cTn id="1" dur="indefinite" restart="never" nodeType="tmRoot"/>
+      </p:par>
+    </p:tnLst>
+  </p:timing>
 </p:sld>
 </file>
 
@@ -9625,7 +9615,7 @@
         </p:spPr>
         <p:txBody>
           <a:bodyPr>
-            <a:normAutofit fontScale="92500" lnSpcReduction="10000"/>
+            <a:normAutofit fontScale="92500" lnSpcReduction="20000"/>
           </a:bodyPr>
           <a:lstStyle/>
           <a:p>
@@ -9634,7 +9624,26 @@
             </a:pPr>
             <a:r>
               <a:rPr lang="ru-RU" dirty="0" smtClean="0"/>
-              <a:t>Пример для </a:t>
+              <a:t>Пример </a:t>
+            </a:r>
+            <a:r>
+              <a:rPr lang="ru-RU" dirty="0" smtClean="0"/>
+              <a:t>массива </a:t>
+            </a:r>
+            <a:r>
+              <a:rPr lang="en-US" dirty="0" err="1" smtClean="0"/>
+              <a:t>coef</a:t>
+            </a:r>
+            <a:r>
+              <a:rPr lang="en-US" dirty="0" smtClean="0"/>
+              <a:t/>
+            </a:r>
+            <a:br>
+              <a:rPr lang="en-US" dirty="0" smtClean="0"/>
+            </a:br>
+            <a:r>
+              <a:rPr lang="ru-RU" dirty="0" smtClean="0"/>
+              <a:t>для </a:t>
             </a:r>
             <a:r>
               <a:rPr lang="en-US" i="1" dirty="0" smtClean="0"/>
@@ -9842,7 +9851,7 @@
           <p:nvPr>
             <p:extLst>
               <p:ext uri="{D42A27DB-BD31-4B8C-83A1-F6EECF244321}">
-                <p14:modId xmlns:p14="http://schemas.microsoft.com/office/powerpoint/2010/main" val="4220955930"/>
+                <p14:modId xmlns:p14="http://schemas.microsoft.com/office/powerpoint/2010/main" val="124660355"/>
               </p:ext>
             </p:extLst>
           </p:nvPr>
@@ -9870,20 +9879,29 @@
                     <a:bodyPr/>
                     <a:lstStyle/>
                     <a:p>
-                      <a:pPr algn="r" fontAlgn="b"/>
+                      <a:pPr algn="l" fontAlgn="ctr"/>
                       <a:r>
-                        <a:rPr lang="ru-RU" sz="1100" b="0" i="0" u="none" strike="noStrike">
+                        <a:rPr lang="ru-RU" sz="1000" b="0" i="0" u="none" strike="noStrike" dirty="0" smtClean="0">
                           <a:solidFill>
                             <a:srgbClr val="000000"/>
                           </a:solidFill>
                           <a:effectLst/>
-                          <a:latin typeface="Calibri" panose="020F0502020204030204" pitchFamily="34" charset="0"/>
+                          <a:latin typeface="Consolas" panose="020B0609020204030204" pitchFamily="49" charset="0"/>
+                          <a:cs typeface="Consolas" panose="020B0609020204030204" pitchFamily="49" charset="0"/>
                         </a:rPr>
-                        <a:t>0,00012</a:t>
+                        <a:t>0.000121</a:t>
                       </a:r>
+                      <a:endParaRPr lang="ru-RU" sz="1000" b="0" i="0" u="none" strike="noStrike" dirty="0">
+                        <a:solidFill>
+                          <a:srgbClr val="000000"/>
+                        </a:solidFill>
+                        <a:effectLst/>
+                        <a:latin typeface="Consolas" panose="020B0609020204030204" pitchFamily="49" charset="0"/>
+                        <a:cs typeface="Consolas" panose="020B0609020204030204" pitchFamily="49" charset="0"/>
+                      </a:endParaRPr>
                     </a:p>
                   </a:txBody>
-                  <a:tcPr marL="9525" marR="9525" marT="9525" marB="0" anchor="b">
+                  <a:tcPr marL="9525" marR="9525" marT="9525" marB="0" anchor="ctr">
                     <a:lnL>
                       <a:noFill/>
                     </a:lnL>
@@ -9906,16 +9924,17 @@
                     <a:bodyPr/>
                     <a:lstStyle/>
                     <a:p>
-                      <a:pPr algn="r" fontAlgn="b"/>
+                      <a:pPr algn="l" fontAlgn="b"/>
                       <a:r>
-                        <a:rPr lang="ru-RU" sz="1100" b="0" i="0" u="none" strike="noStrike">
+                        <a:rPr lang="ru-RU" sz="1000" b="0" i="0" u="none" strike="noStrike">
                           <a:solidFill>
                             <a:srgbClr val="000000"/>
                           </a:solidFill>
                           <a:effectLst/>
-                          <a:latin typeface="Calibri" panose="020F0502020204030204" pitchFamily="34" charset="0"/>
+                          <a:latin typeface="Consolas" panose="020B0609020204030204" pitchFamily="49" charset="0"/>
+                          <a:cs typeface="Consolas" panose="020B0609020204030204" pitchFamily="49" charset="0"/>
                         </a:rPr>
-                        <a:t>0,00083</a:t>
+                        <a:t>0.000826</a:t>
                       </a:r>
                     </a:p>
                   </a:txBody>
@@ -9942,16 +9961,17 @@
                     <a:bodyPr/>
                     <a:lstStyle/>
                     <a:p>
-                      <a:pPr algn="r" fontAlgn="b"/>
+                      <a:pPr algn="l" fontAlgn="b"/>
                       <a:r>
-                        <a:rPr lang="ru-RU" sz="1100" b="0" i="0" u="none" strike="noStrike">
+                        <a:rPr lang="ru-RU" sz="1000" b="0" i="0" u="none" strike="noStrike">
                           <a:solidFill>
                             <a:srgbClr val="000000"/>
                           </a:solidFill>
                           <a:effectLst/>
-                          <a:latin typeface="Calibri" panose="020F0502020204030204" pitchFamily="34" charset="0"/>
+                          <a:latin typeface="Consolas" panose="020B0609020204030204" pitchFamily="49" charset="0"/>
+                          <a:cs typeface="Consolas" panose="020B0609020204030204" pitchFamily="49" charset="0"/>
                         </a:rPr>
-                        <a:t>0,00262</a:t>
+                        <a:t>0.002621</a:t>
                       </a:r>
                     </a:p>
                   </a:txBody>
@@ -9978,16 +9998,17 @@
                     <a:bodyPr/>
                     <a:lstStyle/>
                     <a:p>
-                      <a:pPr algn="r" fontAlgn="b"/>
+                      <a:pPr algn="l" fontAlgn="b"/>
                       <a:r>
-                        <a:rPr lang="ru-RU" sz="1100" b="0" i="0" u="none" strike="noStrike">
+                        <a:rPr lang="ru-RU" sz="1000" b="0" i="0" u="none" strike="noStrike">
                           <a:solidFill>
                             <a:srgbClr val="000000"/>
                           </a:solidFill>
                           <a:effectLst/>
-                          <a:latin typeface="Calibri" panose="020F0502020204030204" pitchFamily="34" charset="0"/>
+                          <a:latin typeface="Consolas" panose="020B0609020204030204" pitchFamily="49" charset="0"/>
+                          <a:cs typeface="Consolas" panose="020B0609020204030204" pitchFamily="49" charset="0"/>
                         </a:rPr>
-                        <a:t>0,00385</a:t>
+                        <a:t>0.003851</a:t>
                       </a:r>
                     </a:p>
                   </a:txBody>
@@ -10014,16 +10035,17 @@
                     <a:bodyPr/>
                     <a:lstStyle/>
                     <a:p>
-                      <a:pPr algn="r" fontAlgn="b"/>
+                      <a:pPr algn="l" fontAlgn="b"/>
                       <a:r>
-                        <a:rPr lang="ru-RU" sz="1100" b="0" i="0" u="none" strike="noStrike">
+                        <a:rPr lang="ru-RU" sz="1000" b="0" i="0" u="none" strike="noStrike">
                           <a:solidFill>
                             <a:srgbClr val="000000"/>
                           </a:solidFill>
                           <a:effectLst/>
-                          <a:latin typeface="Calibri" panose="020F0502020204030204" pitchFamily="34" charset="0"/>
+                          <a:latin typeface="Consolas" panose="020B0609020204030204" pitchFamily="49" charset="0"/>
+                          <a:cs typeface="Consolas" panose="020B0609020204030204" pitchFamily="49" charset="0"/>
                         </a:rPr>
-                        <a:t>0,00262</a:t>
+                        <a:t>0.002621</a:t>
                       </a:r>
                     </a:p>
                   </a:txBody>
@@ -10050,16 +10072,17 @@
                     <a:bodyPr/>
                     <a:lstStyle/>
                     <a:p>
-                      <a:pPr algn="r" fontAlgn="b"/>
+                      <a:pPr algn="l" fontAlgn="b"/>
                       <a:r>
-                        <a:rPr lang="ru-RU" sz="1100" b="0" i="0" u="none" strike="noStrike">
+                        <a:rPr lang="ru-RU" sz="1000" b="0" i="0" u="none" strike="noStrike">
                           <a:solidFill>
                             <a:srgbClr val="000000"/>
                           </a:solidFill>
                           <a:effectLst/>
-                          <a:latin typeface="Calibri" panose="020F0502020204030204" pitchFamily="34" charset="0"/>
+                          <a:latin typeface="Consolas" panose="020B0609020204030204" pitchFamily="49" charset="0"/>
+                          <a:cs typeface="Consolas" panose="020B0609020204030204" pitchFamily="49" charset="0"/>
                         </a:rPr>
-                        <a:t>0,00083</a:t>
+                        <a:t>0.000826</a:t>
                       </a:r>
                     </a:p>
                   </a:txBody>
@@ -10086,16 +10109,17 @@
                     <a:bodyPr/>
                     <a:lstStyle/>
                     <a:p>
-                      <a:pPr algn="r" fontAlgn="b"/>
+                      <a:pPr algn="l" fontAlgn="b"/>
                       <a:r>
-                        <a:rPr lang="ru-RU" sz="1100" b="0" i="0" u="none" strike="noStrike">
+                        <a:rPr lang="ru-RU" sz="1000" b="0" i="0" u="none" strike="noStrike">
                           <a:solidFill>
                             <a:srgbClr val="000000"/>
                           </a:solidFill>
                           <a:effectLst/>
-                          <a:latin typeface="Calibri" panose="020F0502020204030204" pitchFamily="34" charset="0"/>
+                          <a:latin typeface="Consolas" panose="020B0609020204030204" pitchFamily="49" charset="0"/>
+                          <a:cs typeface="Consolas" panose="020B0609020204030204" pitchFamily="49" charset="0"/>
                         </a:rPr>
-                        <a:t>0,00012</a:t>
+                        <a:t>0.000121</a:t>
                       </a:r>
                     </a:p>
                   </a:txBody>
@@ -10124,20 +10148,21 @@
                     <a:bodyPr/>
                     <a:lstStyle/>
                     <a:p>
-                      <a:pPr algn="r" fontAlgn="b"/>
+                      <a:pPr algn="l" fontAlgn="ctr"/>
                       <a:r>
-                        <a:rPr lang="ru-RU" sz="1100" b="0" i="0" u="none" strike="noStrike">
+                        <a:rPr lang="ru-RU" sz="1000" b="0" i="0" u="none" strike="noStrike">
                           <a:solidFill>
                             <a:srgbClr val="000000"/>
                           </a:solidFill>
                           <a:effectLst/>
-                          <a:latin typeface="Calibri" panose="020F0502020204030204" pitchFamily="34" charset="0"/>
+                          <a:latin typeface="Consolas" panose="020B0609020204030204" pitchFamily="49" charset="0"/>
+                          <a:cs typeface="Consolas" panose="020B0609020204030204" pitchFamily="49" charset="0"/>
                         </a:rPr>
-                        <a:t>0,00083</a:t>
+                        <a:t>0.000826</a:t>
                       </a:r>
                     </a:p>
                   </a:txBody>
-                  <a:tcPr marL="9525" marR="9525" marT="9525" marB="0" anchor="b">
+                  <a:tcPr marL="9525" marR="9525" marT="9525" marB="0" anchor="ctr">
                     <a:lnL>
                       <a:noFill/>
                     </a:lnL>
@@ -10160,16 +10185,17 @@
                     <a:bodyPr/>
                     <a:lstStyle/>
                     <a:p>
-                      <a:pPr algn="r" fontAlgn="b"/>
+                      <a:pPr algn="l" fontAlgn="b"/>
                       <a:r>
-                        <a:rPr lang="ru-RU" sz="1100" b="0" i="0" u="none" strike="noStrike">
+                        <a:rPr lang="ru-RU" sz="1000" b="0" i="0" u="none" strike="noStrike">
                           <a:solidFill>
                             <a:srgbClr val="000000"/>
                           </a:solidFill>
                           <a:effectLst/>
-                          <a:latin typeface="Calibri" panose="020F0502020204030204" pitchFamily="34" charset="0"/>
+                          <a:latin typeface="Consolas" panose="020B0609020204030204" pitchFamily="49" charset="0"/>
+                          <a:cs typeface="Consolas" panose="020B0609020204030204" pitchFamily="49" charset="0"/>
                         </a:rPr>
-                        <a:t>0,00566</a:t>
+                        <a:t>0.005658</a:t>
                       </a:r>
                     </a:p>
                   </a:txBody>
@@ -10196,16 +10222,17 @@
                     <a:bodyPr/>
                     <a:lstStyle/>
                     <a:p>
-                      <a:pPr algn="r" fontAlgn="b"/>
+                      <a:pPr algn="l" fontAlgn="b"/>
                       <a:r>
-                        <a:rPr lang="ru-RU" sz="1100" b="0" i="0" u="none" strike="noStrike">
+                        <a:rPr lang="ru-RU" sz="1000" b="0" i="0" u="none" strike="noStrike">
                           <a:solidFill>
                             <a:srgbClr val="000000"/>
                           </a:solidFill>
                           <a:effectLst/>
-                          <a:latin typeface="Calibri" panose="020F0502020204030204" pitchFamily="34" charset="0"/>
+                          <a:latin typeface="Consolas" panose="020B0609020204030204" pitchFamily="49" charset="0"/>
+                          <a:cs typeface="Consolas" panose="020B0609020204030204" pitchFamily="49" charset="0"/>
                         </a:rPr>
-                        <a:t>0,01794</a:t>
+                        <a:t>0.017943</a:t>
                       </a:r>
                     </a:p>
                   </a:txBody>
@@ -10232,16 +10259,17 @@
                     <a:bodyPr/>
                     <a:lstStyle/>
                     <a:p>
-                      <a:pPr algn="r" fontAlgn="b"/>
+                      <a:pPr algn="l" fontAlgn="b"/>
                       <a:r>
-                        <a:rPr lang="ru-RU" sz="1100" b="0" i="0" u="none" strike="noStrike">
+                        <a:rPr lang="ru-RU" sz="1000" b="0" i="0" u="none" strike="noStrike">
                           <a:solidFill>
                             <a:srgbClr val="000000"/>
                           </a:solidFill>
                           <a:effectLst/>
-                          <a:latin typeface="Calibri" panose="020F0502020204030204" pitchFamily="34" charset="0"/>
+                          <a:latin typeface="Consolas" panose="020B0609020204030204" pitchFamily="49" charset="0"/>
+                          <a:cs typeface="Consolas" panose="020B0609020204030204" pitchFamily="49" charset="0"/>
                         </a:rPr>
-                        <a:t>0,02636</a:t>
+                        <a:t>0.026363</a:t>
                       </a:r>
                     </a:p>
                   </a:txBody>
@@ -10268,16 +10296,17 @@
                     <a:bodyPr/>
                     <a:lstStyle/>
                     <a:p>
-                      <a:pPr algn="r" fontAlgn="b"/>
+                      <a:pPr algn="l" fontAlgn="b"/>
                       <a:r>
-                        <a:rPr lang="ru-RU" sz="1100" b="0" i="0" u="none" strike="noStrike">
+                        <a:rPr lang="ru-RU" sz="1000" b="0" i="0" u="none" strike="noStrike">
                           <a:solidFill>
                             <a:srgbClr val="000000"/>
                           </a:solidFill>
                           <a:effectLst/>
-                          <a:latin typeface="Calibri" panose="020F0502020204030204" pitchFamily="34" charset="0"/>
+                          <a:latin typeface="Consolas" panose="020B0609020204030204" pitchFamily="49" charset="0"/>
+                          <a:cs typeface="Consolas" panose="020B0609020204030204" pitchFamily="49" charset="0"/>
                         </a:rPr>
-                        <a:t>0,01794</a:t>
+                        <a:t>0.017943</a:t>
                       </a:r>
                     </a:p>
                   </a:txBody>
@@ -10304,16 +10333,17 @@
                     <a:bodyPr/>
                     <a:lstStyle/>
                     <a:p>
-                      <a:pPr algn="r" fontAlgn="b"/>
+                      <a:pPr algn="l" fontAlgn="b"/>
                       <a:r>
-                        <a:rPr lang="ru-RU" sz="1100" b="0" i="0" u="none" strike="noStrike">
+                        <a:rPr lang="ru-RU" sz="1000" b="0" i="0" u="none" strike="noStrike">
                           <a:solidFill>
                             <a:srgbClr val="000000"/>
                           </a:solidFill>
                           <a:effectLst/>
-                          <a:latin typeface="Calibri" panose="020F0502020204030204" pitchFamily="34" charset="0"/>
+                          <a:latin typeface="Consolas" panose="020B0609020204030204" pitchFamily="49" charset="0"/>
+                          <a:cs typeface="Consolas" panose="020B0609020204030204" pitchFamily="49" charset="0"/>
                         </a:rPr>
-                        <a:t>0,00566</a:t>
+                        <a:t>0.005658</a:t>
                       </a:r>
                     </a:p>
                   </a:txBody>
@@ -10340,16 +10370,17 @@
                     <a:bodyPr/>
                     <a:lstStyle/>
                     <a:p>
-                      <a:pPr algn="r" fontAlgn="b"/>
+                      <a:pPr algn="l" fontAlgn="b"/>
                       <a:r>
-                        <a:rPr lang="ru-RU" sz="1100" b="0" i="0" u="none" strike="noStrike">
+                        <a:rPr lang="ru-RU" sz="1000" b="0" i="0" u="none" strike="noStrike">
                           <a:solidFill>
                             <a:srgbClr val="000000"/>
                           </a:solidFill>
                           <a:effectLst/>
-                          <a:latin typeface="Calibri" panose="020F0502020204030204" pitchFamily="34" charset="0"/>
+                          <a:latin typeface="Consolas" panose="020B0609020204030204" pitchFamily="49" charset="0"/>
+                          <a:cs typeface="Consolas" panose="020B0609020204030204" pitchFamily="49" charset="0"/>
                         </a:rPr>
-                        <a:t>0,00083</a:t>
+                        <a:t>0.000826</a:t>
                       </a:r>
                     </a:p>
                   </a:txBody>
@@ -10378,20 +10409,21 @@
                     <a:bodyPr/>
                     <a:lstStyle/>
                     <a:p>
-                      <a:pPr algn="r" fontAlgn="b"/>
+                      <a:pPr algn="l" fontAlgn="ctr"/>
                       <a:r>
-                        <a:rPr lang="ru-RU" sz="1100" b="0" i="0" u="none" strike="noStrike">
+                        <a:rPr lang="ru-RU" sz="1000" b="0" i="0" u="none" strike="noStrike">
                           <a:solidFill>
                             <a:srgbClr val="000000"/>
                           </a:solidFill>
                           <a:effectLst/>
-                          <a:latin typeface="Calibri" panose="020F0502020204030204" pitchFamily="34" charset="0"/>
+                          <a:latin typeface="Consolas" panose="020B0609020204030204" pitchFamily="49" charset="0"/>
+                          <a:cs typeface="Consolas" panose="020B0609020204030204" pitchFamily="49" charset="0"/>
                         </a:rPr>
-                        <a:t>0,00262</a:t>
+                        <a:t>0.002621</a:t>
                       </a:r>
                     </a:p>
                   </a:txBody>
-                  <a:tcPr marL="9525" marR="9525" marT="9525" marB="0" anchor="b">
+                  <a:tcPr marL="9525" marR="9525" marT="9525" marB="0" anchor="ctr">
                     <a:lnL>
                       <a:noFill/>
                     </a:lnL>
@@ -10414,16 +10446,17 @@
                     <a:bodyPr/>
                     <a:lstStyle/>
                     <a:p>
-                      <a:pPr algn="r" fontAlgn="b"/>
+                      <a:pPr algn="l" fontAlgn="b"/>
                       <a:r>
-                        <a:rPr lang="ru-RU" sz="1100" b="0" i="0" u="none" strike="noStrike">
+                        <a:rPr lang="ru-RU" sz="1000" b="0" i="0" u="none" strike="noStrike">
                           <a:solidFill>
                             <a:srgbClr val="000000"/>
                           </a:solidFill>
                           <a:effectLst/>
-                          <a:latin typeface="Calibri" panose="020F0502020204030204" pitchFamily="34" charset="0"/>
+                          <a:latin typeface="Consolas" panose="020B0609020204030204" pitchFamily="49" charset="0"/>
+                          <a:cs typeface="Consolas" panose="020B0609020204030204" pitchFamily="49" charset="0"/>
                         </a:rPr>
-                        <a:t>0,01794</a:t>
+                        <a:t>0.017943</a:t>
                       </a:r>
                     </a:p>
                   </a:txBody>
@@ -10450,16 +10483,17 @@
                     <a:bodyPr/>
                     <a:lstStyle/>
                     <a:p>
-                      <a:pPr algn="r" fontAlgn="b"/>
+                      <a:pPr algn="l" fontAlgn="b"/>
                       <a:r>
-                        <a:rPr lang="ru-RU" sz="1100" b="0" i="0" u="none" strike="noStrike">
+                        <a:rPr lang="ru-RU" sz="1000" b="0" i="0" u="none" strike="noStrike">
                           <a:solidFill>
                             <a:srgbClr val="000000"/>
                           </a:solidFill>
                           <a:effectLst/>
-                          <a:latin typeface="Calibri" panose="020F0502020204030204" pitchFamily="34" charset="0"/>
+                          <a:latin typeface="Consolas" panose="020B0609020204030204" pitchFamily="49" charset="0"/>
+                          <a:cs typeface="Consolas" panose="020B0609020204030204" pitchFamily="49" charset="0"/>
                         </a:rPr>
-                        <a:t>0,05691</a:t>
+                        <a:t>0.056907</a:t>
                       </a:r>
                     </a:p>
                   </a:txBody>
@@ -10486,16 +10520,17 @@
                     <a:bodyPr/>
                     <a:lstStyle/>
                     <a:p>
-                      <a:pPr algn="r" fontAlgn="b"/>
+                      <a:pPr algn="l" fontAlgn="b"/>
                       <a:r>
-                        <a:rPr lang="ru-RU" sz="1100" b="0" i="0" u="none" strike="noStrike">
+                        <a:rPr lang="ru-RU" sz="1000" b="0" i="0" u="none" strike="noStrike">
                           <a:solidFill>
                             <a:srgbClr val="000000"/>
                           </a:solidFill>
                           <a:effectLst/>
-                          <a:latin typeface="Calibri" panose="020F0502020204030204" pitchFamily="34" charset="0"/>
+                          <a:latin typeface="Consolas" panose="020B0609020204030204" pitchFamily="49" charset="0"/>
+                          <a:cs typeface="Consolas" panose="020B0609020204030204" pitchFamily="49" charset="0"/>
                         </a:rPr>
-                        <a:t>0,08361</a:t>
+                        <a:t>0.083609</a:t>
                       </a:r>
                     </a:p>
                   </a:txBody>
@@ -10522,16 +10557,17 @@
                     <a:bodyPr/>
                     <a:lstStyle/>
                     <a:p>
-                      <a:pPr algn="r" fontAlgn="b"/>
+                      <a:pPr algn="l" fontAlgn="b"/>
                       <a:r>
-                        <a:rPr lang="ru-RU" sz="1100" b="0" i="0" u="none" strike="noStrike">
+                        <a:rPr lang="ru-RU" sz="1000" b="0" i="0" u="none" strike="noStrike">
                           <a:solidFill>
                             <a:srgbClr val="000000"/>
                           </a:solidFill>
                           <a:effectLst/>
-                          <a:latin typeface="Calibri" panose="020F0502020204030204" pitchFamily="34" charset="0"/>
+                          <a:latin typeface="Consolas" panose="020B0609020204030204" pitchFamily="49" charset="0"/>
+                          <a:cs typeface="Consolas" panose="020B0609020204030204" pitchFamily="49" charset="0"/>
                         </a:rPr>
-                        <a:t>0,05691</a:t>
+                        <a:t>0.056907</a:t>
                       </a:r>
                     </a:p>
                   </a:txBody>
@@ -10558,16 +10594,17 @@
                     <a:bodyPr/>
                     <a:lstStyle/>
                     <a:p>
-                      <a:pPr algn="r" fontAlgn="b"/>
+                      <a:pPr algn="l" fontAlgn="b"/>
                       <a:r>
-                        <a:rPr lang="ru-RU" sz="1100" b="0" i="0" u="none" strike="noStrike">
+                        <a:rPr lang="ru-RU" sz="1000" b="0" i="0" u="none" strike="noStrike">
                           <a:solidFill>
                             <a:srgbClr val="000000"/>
                           </a:solidFill>
                           <a:effectLst/>
-                          <a:latin typeface="Calibri" panose="020F0502020204030204" pitchFamily="34" charset="0"/>
+                          <a:latin typeface="Consolas" panose="020B0609020204030204" pitchFamily="49" charset="0"/>
+                          <a:cs typeface="Consolas" panose="020B0609020204030204" pitchFamily="49" charset="0"/>
                         </a:rPr>
-                        <a:t>0,01794</a:t>
+                        <a:t>0.017943</a:t>
                       </a:r>
                     </a:p>
                   </a:txBody>
@@ -10594,16 +10631,17 @@
                     <a:bodyPr/>
                     <a:lstStyle/>
                     <a:p>
-                      <a:pPr algn="r" fontAlgn="b"/>
+                      <a:pPr algn="l" fontAlgn="b"/>
                       <a:r>
-                        <a:rPr lang="ru-RU" sz="1100" b="0" i="0" u="none" strike="noStrike">
+                        <a:rPr lang="ru-RU" sz="1000" b="0" i="0" u="none" strike="noStrike">
                           <a:solidFill>
                             <a:srgbClr val="000000"/>
                           </a:solidFill>
                           <a:effectLst/>
-                          <a:latin typeface="Calibri" panose="020F0502020204030204" pitchFamily="34" charset="0"/>
+                          <a:latin typeface="Consolas" panose="020B0609020204030204" pitchFamily="49" charset="0"/>
+                          <a:cs typeface="Consolas" panose="020B0609020204030204" pitchFamily="49" charset="0"/>
                         </a:rPr>
-                        <a:t>0,00262</a:t>
+                        <a:t>0.002621</a:t>
                       </a:r>
                     </a:p>
                   </a:txBody>
@@ -10632,20 +10670,21 @@
                     <a:bodyPr/>
                     <a:lstStyle/>
                     <a:p>
-                      <a:pPr algn="r" fontAlgn="b"/>
+                      <a:pPr algn="l" fontAlgn="ctr"/>
                       <a:r>
-                        <a:rPr lang="ru-RU" sz="1100" b="0" i="0" u="none" strike="noStrike">
+                        <a:rPr lang="ru-RU" sz="1000" b="0" i="0" u="none" strike="noStrike">
                           <a:solidFill>
                             <a:srgbClr val="000000"/>
                           </a:solidFill>
                           <a:effectLst/>
-                          <a:latin typeface="Calibri" panose="020F0502020204030204" pitchFamily="34" charset="0"/>
+                          <a:latin typeface="Consolas" panose="020B0609020204030204" pitchFamily="49" charset="0"/>
+                          <a:cs typeface="Consolas" panose="020B0609020204030204" pitchFamily="49" charset="0"/>
                         </a:rPr>
-                        <a:t>0,00385</a:t>
+                        <a:t>0.003851</a:t>
                       </a:r>
                     </a:p>
                   </a:txBody>
-                  <a:tcPr marL="9525" marR="9525" marT="9525" marB="0" anchor="b">
+                  <a:tcPr marL="9525" marR="9525" marT="9525" marB="0" anchor="ctr">
                     <a:lnL>
                       <a:noFill/>
                     </a:lnL>
@@ -10668,16 +10707,17 @@
                     <a:bodyPr/>
                     <a:lstStyle/>
                     <a:p>
-                      <a:pPr algn="r" fontAlgn="b"/>
+                      <a:pPr algn="l" fontAlgn="b"/>
                       <a:r>
-                        <a:rPr lang="ru-RU" sz="1100" b="0" i="0" u="none" strike="noStrike">
+                        <a:rPr lang="ru-RU" sz="1000" b="0" i="0" u="none" strike="noStrike">
                           <a:solidFill>
                             <a:srgbClr val="000000"/>
                           </a:solidFill>
                           <a:effectLst/>
-                          <a:latin typeface="Calibri" panose="020F0502020204030204" pitchFamily="34" charset="0"/>
+                          <a:latin typeface="Consolas" panose="020B0609020204030204" pitchFamily="49" charset="0"/>
+                          <a:cs typeface="Consolas" panose="020B0609020204030204" pitchFamily="49" charset="0"/>
                         </a:rPr>
-                        <a:t>0,02636</a:t>
+                        <a:t>0.026363</a:t>
                       </a:r>
                     </a:p>
                   </a:txBody>
@@ -10704,16 +10744,17 @@
                     <a:bodyPr/>
                     <a:lstStyle/>
                     <a:p>
-                      <a:pPr algn="r" fontAlgn="b"/>
+                      <a:pPr algn="l" fontAlgn="b"/>
                       <a:r>
-                        <a:rPr lang="ru-RU" sz="1100" b="0" i="0" u="none" strike="noStrike">
+                        <a:rPr lang="ru-RU" sz="1000" b="0" i="0" u="none" strike="noStrike">
                           <a:solidFill>
                             <a:srgbClr val="000000"/>
                           </a:solidFill>
                           <a:effectLst/>
-                          <a:latin typeface="Calibri" panose="020F0502020204030204" pitchFamily="34" charset="0"/>
+                          <a:latin typeface="Consolas" panose="020B0609020204030204" pitchFamily="49" charset="0"/>
+                          <a:cs typeface="Consolas" panose="020B0609020204030204" pitchFamily="49" charset="0"/>
                         </a:rPr>
-                        <a:t>0,08361</a:t>
+                        <a:t>0.083609</a:t>
                       </a:r>
                     </a:p>
                   </a:txBody>
@@ -10740,16 +10781,17 @@
                     <a:bodyPr/>
                     <a:lstStyle/>
                     <a:p>
-                      <a:pPr algn="r" fontAlgn="b"/>
+                      <a:pPr algn="l" fontAlgn="b"/>
                       <a:r>
-                        <a:rPr lang="ru-RU" sz="1100" b="0" i="0" u="none" strike="noStrike">
+                        <a:rPr lang="ru-RU" sz="1000" b="0" i="0" u="none" strike="noStrike">
                           <a:solidFill>
                             <a:srgbClr val="000000"/>
                           </a:solidFill>
                           <a:effectLst/>
-                          <a:latin typeface="Calibri" panose="020F0502020204030204" pitchFamily="34" charset="0"/>
+                          <a:latin typeface="Consolas" panose="020B0609020204030204" pitchFamily="49" charset="0"/>
+                          <a:cs typeface="Consolas" panose="020B0609020204030204" pitchFamily="49" charset="0"/>
                         </a:rPr>
-                        <a:t>0,12284</a:t>
+                        <a:t>0.122841</a:t>
                       </a:r>
                     </a:p>
                   </a:txBody>
@@ -10776,16 +10818,17 @@
                     <a:bodyPr/>
                     <a:lstStyle/>
                     <a:p>
-                      <a:pPr algn="r" fontAlgn="b"/>
+                      <a:pPr algn="l" fontAlgn="b"/>
                       <a:r>
-                        <a:rPr lang="ru-RU" sz="1100" b="0" i="0" u="none" strike="noStrike">
+                        <a:rPr lang="ru-RU" sz="1000" b="0" i="0" u="none" strike="noStrike">
                           <a:solidFill>
                             <a:srgbClr val="000000"/>
                           </a:solidFill>
                           <a:effectLst/>
-                          <a:latin typeface="Calibri" panose="020F0502020204030204" pitchFamily="34" charset="0"/>
+                          <a:latin typeface="Consolas" panose="020B0609020204030204" pitchFamily="49" charset="0"/>
+                          <a:cs typeface="Consolas" panose="020B0609020204030204" pitchFamily="49" charset="0"/>
                         </a:rPr>
-                        <a:t>0,08361</a:t>
+                        <a:t>0.083609</a:t>
                       </a:r>
                     </a:p>
                   </a:txBody>
@@ -10812,16 +10855,17 @@
                     <a:bodyPr/>
                     <a:lstStyle/>
                     <a:p>
-                      <a:pPr algn="r" fontAlgn="b"/>
+                      <a:pPr algn="l" fontAlgn="b"/>
                       <a:r>
-                        <a:rPr lang="ru-RU" sz="1100" b="0" i="0" u="none" strike="noStrike">
+                        <a:rPr lang="ru-RU" sz="1000" b="0" i="0" u="none" strike="noStrike">
                           <a:solidFill>
                             <a:srgbClr val="000000"/>
                           </a:solidFill>
                           <a:effectLst/>
-                          <a:latin typeface="Calibri" panose="020F0502020204030204" pitchFamily="34" charset="0"/>
+                          <a:latin typeface="Consolas" panose="020B0609020204030204" pitchFamily="49" charset="0"/>
+                          <a:cs typeface="Consolas" panose="020B0609020204030204" pitchFamily="49" charset="0"/>
                         </a:rPr>
-                        <a:t>0,02636</a:t>
+                        <a:t>0.026363</a:t>
                       </a:r>
                     </a:p>
                   </a:txBody>
@@ -10848,16 +10892,17 @@
                     <a:bodyPr/>
                     <a:lstStyle/>
                     <a:p>
-                      <a:pPr algn="r" fontAlgn="b"/>
+                      <a:pPr algn="l" fontAlgn="b"/>
                       <a:r>
-                        <a:rPr lang="ru-RU" sz="1100" b="0" i="0" u="none" strike="noStrike">
+                        <a:rPr lang="ru-RU" sz="1000" b="0" i="0" u="none" strike="noStrike">
                           <a:solidFill>
                             <a:srgbClr val="000000"/>
                           </a:solidFill>
                           <a:effectLst/>
-                          <a:latin typeface="Calibri" panose="020F0502020204030204" pitchFamily="34" charset="0"/>
+                          <a:latin typeface="Consolas" panose="020B0609020204030204" pitchFamily="49" charset="0"/>
+                          <a:cs typeface="Consolas" panose="020B0609020204030204" pitchFamily="49" charset="0"/>
                         </a:rPr>
-                        <a:t>0,00385</a:t>
+                        <a:t>0.003851</a:t>
                       </a:r>
                     </a:p>
                   </a:txBody>
@@ -10886,20 +10931,21 @@
                     <a:bodyPr/>
                     <a:lstStyle/>
                     <a:p>
-                      <a:pPr algn="r" fontAlgn="b"/>
+                      <a:pPr algn="l" fontAlgn="ctr"/>
                       <a:r>
-                        <a:rPr lang="ru-RU" sz="1100" b="0" i="0" u="none" strike="noStrike">
+                        <a:rPr lang="ru-RU" sz="1000" b="0" i="0" u="none" strike="noStrike">
                           <a:solidFill>
                             <a:srgbClr val="000000"/>
                           </a:solidFill>
                           <a:effectLst/>
-                          <a:latin typeface="Calibri" panose="020F0502020204030204" pitchFamily="34" charset="0"/>
+                          <a:latin typeface="Consolas" panose="020B0609020204030204" pitchFamily="49" charset="0"/>
+                          <a:cs typeface="Consolas" panose="020B0609020204030204" pitchFamily="49" charset="0"/>
                         </a:rPr>
-                        <a:t>0,00262</a:t>
+                        <a:t>0.002621</a:t>
                       </a:r>
                     </a:p>
                   </a:txBody>
-                  <a:tcPr marL="9525" marR="9525" marT="9525" marB="0" anchor="b">
+                  <a:tcPr marL="9525" marR="9525" marT="9525" marB="0" anchor="ctr">
                     <a:lnL>
                       <a:noFill/>
                     </a:lnL>
@@ -10922,16 +10968,17 @@
                     <a:bodyPr/>
                     <a:lstStyle/>
                     <a:p>
-                      <a:pPr algn="r" fontAlgn="b"/>
+                      <a:pPr algn="l" fontAlgn="b"/>
                       <a:r>
-                        <a:rPr lang="ru-RU" sz="1100" b="0" i="0" u="none" strike="noStrike">
+                        <a:rPr lang="ru-RU" sz="1000" b="0" i="0" u="none" strike="noStrike">
                           <a:solidFill>
                             <a:srgbClr val="000000"/>
                           </a:solidFill>
                           <a:effectLst/>
-                          <a:latin typeface="Calibri" panose="020F0502020204030204" pitchFamily="34" charset="0"/>
+                          <a:latin typeface="Consolas" panose="020B0609020204030204" pitchFamily="49" charset="0"/>
+                          <a:cs typeface="Consolas" panose="020B0609020204030204" pitchFamily="49" charset="0"/>
                         </a:rPr>
-                        <a:t>0,01794</a:t>
+                        <a:t>0.017943</a:t>
                       </a:r>
                     </a:p>
                   </a:txBody>
@@ -10958,16 +11005,17 @@
                     <a:bodyPr/>
                     <a:lstStyle/>
                     <a:p>
-                      <a:pPr algn="r" fontAlgn="b"/>
+                      <a:pPr algn="l" fontAlgn="b"/>
                       <a:r>
-                        <a:rPr lang="ru-RU" sz="1100" b="0" i="0" u="none" strike="noStrike">
+                        <a:rPr lang="ru-RU" sz="1000" b="0" i="0" u="none" strike="noStrike">
                           <a:solidFill>
                             <a:srgbClr val="000000"/>
                           </a:solidFill>
                           <a:effectLst/>
-                          <a:latin typeface="Calibri" panose="020F0502020204030204" pitchFamily="34" charset="0"/>
+                          <a:latin typeface="Consolas" panose="020B0609020204030204" pitchFamily="49" charset="0"/>
+                          <a:cs typeface="Consolas" panose="020B0609020204030204" pitchFamily="49" charset="0"/>
                         </a:rPr>
-                        <a:t>0,05691</a:t>
+                        <a:t>0.056907</a:t>
                       </a:r>
                     </a:p>
                   </a:txBody>
@@ -10994,16 +11042,17 @@
                     <a:bodyPr/>
                     <a:lstStyle/>
                     <a:p>
-                      <a:pPr algn="r" fontAlgn="b"/>
+                      <a:pPr algn="l" fontAlgn="b"/>
                       <a:r>
-                        <a:rPr lang="ru-RU" sz="1100" b="0" i="0" u="none" strike="noStrike">
+                        <a:rPr lang="ru-RU" sz="1000" b="0" i="0" u="none" strike="noStrike">
                           <a:solidFill>
                             <a:srgbClr val="000000"/>
                           </a:solidFill>
                           <a:effectLst/>
-                          <a:latin typeface="Calibri" panose="020F0502020204030204" pitchFamily="34" charset="0"/>
+                          <a:latin typeface="Consolas" panose="020B0609020204030204" pitchFamily="49" charset="0"/>
+                          <a:cs typeface="Consolas" panose="020B0609020204030204" pitchFamily="49" charset="0"/>
                         </a:rPr>
-                        <a:t>0,08361</a:t>
+                        <a:t>0.083609</a:t>
                       </a:r>
                     </a:p>
                   </a:txBody>
@@ -11030,16 +11079,17 @@
                     <a:bodyPr/>
                     <a:lstStyle/>
                     <a:p>
-                      <a:pPr algn="r" fontAlgn="b"/>
+                      <a:pPr algn="l" fontAlgn="b"/>
                       <a:r>
-                        <a:rPr lang="ru-RU" sz="1100" b="0" i="0" u="none" strike="noStrike">
+                        <a:rPr lang="ru-RU" sz="1000" b="0" i="0" u="none" strike="noStrike">
                           <a:solidFill>
                             <a:srgbClr val="000000"/>
                           </a:solidFill>
                           <a:effectLst/>
-                          <a:latin typeface="Calibri" panose="020F0502020204030204" pitchFamily="34" charset="0"/>
+                          <a:latin typeface="Consolas" panose="020B0609020204030204" pitchFamily="49" charset="0"/>
+                          <a:cs typeface="Consolas" panose="020B0609020204030204" pitchFamily="49" charset="0"/>
                         </a:rPr>
-                        <a:t>0,05691</a:t>
+                        <a:t>0.056907</a:t>
                       </a:r>
                     </a:p>
                   </a:txBody>
@@ -11066,16 +11116,17 @@
                     <a:bodyPr/>
                     <a:lstStyle/>
                     <a:p>
-                      <a:pPr algn="r" fontAlgn="b"/>
+                      <a:pPr algn="l" fontAlgn="b"/>
                       <a:r>
-                        <a:rPr lang="ru-RU" sz="1100" b="0" i="0" u="none" strike="noStrike">
+                        <a:rPr lang="ru-RU" sz="1000" b="0" i="0" u="none" strike="noStrike">
                           <a:solidFill>
                             <a:srgbClr val="000000"/>
                           </a:solidFill>
                           <a:effectLst/>
-                          <a:latin typeface="Calibri" panose="020F0502020204030204" pitchFamily="34" charset="0"/>
+                          <a:latin typeface="Consolas" panose="020B0609020204030204" pitchFamily="49" charset="0"/>
+                          <a:cs typeface="Consolas" panose="020B0609020204030204" pitchFamily="49" charset="0"/>
                         </a:rPr>
-                        <a:t>0,01794</a:t>
+                        <a:t>0.017943</a:t>
                       </a:r>
                     </a:p>
                   </a:txBody>
@@ -11102,16 +11153,17 @@
                     <a:bodyPr/>
                     <a:lstStyle/>
                     <a:p>
-                      <a:pPr algn="r" fontAlgn="b"/>
+                      <a:pPr algn="l" fontAlgn="b"/>
                       <a:r>
-                        <a:rPr lang="ru-RU" sz="1100" b="0" i="0" u="none" strike="noStrike">
+                        <a:rPr lang="ru-RU" sz="1000" b="0" i="0" u="none" strike="noStrike">
                           <a:solidFill>
                             <a:srgbClr val="000000"/>
                           </a:solidFill>
                           <a:effectLst/>
-                          <a:latin typeface="Calibri" panose="020F0502020204030204" pitchFamily="34" charset="0"/>
+                          <a:latin typeface="Consolas" panose="020B0609020204030204" pitchFamily="49" charset="0"/>
+                          <a:cs typeface="Consolas" panose="020B0609020204030204" pitchFamily="49" charset="0"/>
                         </a:rPr>
-                        <a:t>0,00262</a:t>
+                        <a:t>0.002621</a:t>
                       </a:r>
                     </a:p>
                   </a:txBody>
@@ -11140,20 +11192,21 @@
                     <a:bodyPr/>
                     <a:lstStyle/>
                     <a:p>
-                      <a:pPr algn="r" fontAlgn="b"/>
+                      <a:pPr algn="l" fontAlgn="ctr"/>
                       <a:r>
-                        <a:rPr lang="ru-RU" sz="1100" b="0" i="0" u="none" strike="noStrike">
+                        <a:rPr lang="ru-RU" sz="1000" b="0" i="0" u="none" strike="noStrike">
                           <a:solidFill>
                             <a:srgbClr val="000000"/>
                           </a:solidFill>
                           <a:effectLst/>
-                          <a:latin typeface="Calibri" panose="020F0502020204030204" pitchFamily="34" charset="0"/>
+                          <a:latin typeface="Consolas" panose="020B0609020204030204" pitchFamily="49" charset="0"/>
+                          <a:cs typeface="Consolas" panose="020B0609020204030204" pitchFamily="49" charset="0"/>
                         </a:rPr>
-                        <a:t>0,00083</a:t>
+                        <a:t>0.000826</a:t>
                       </a:r>
                     </a:p>
                   </a:txBody>
-                  <a:tcPr marL="9525" marR="9525" marT="9525" marB="0" anchor="b">
+                  <a:tcPr marL="9525" marR="9525" marT="9525" marB="0" anchor="ctr">
                     <a:lnL>
                       <a:noFill/>
                     </a:lnL>
@@ -11176,16 +11229,17 @@
                     <a:bodyPr/>
                     <a:lstStyle/>
                     <a:p>
-                      <a:pPr algn="r" fontAlgn="b"/>
+                      <a:pPr algn="l" fontAlgn="b"/>
                       <a:r>
-                        <a:rPr lang="ru-RU" sz="1100" b="0" i="0" u="none" strike="noStrike">
+                        <a:rPr lang="ru-RU" sz="1000" b="0" i="0" u="none" strike="noStrike">
                           <a:solidFill>
                             <a:srgbClr val="000000"/>
                           </a:solidFill>
                           <a:effectLst/>
-                          <a:latin typeface="Calibri" panose="020F0502020204030204" pitchFamily="34" charset="0"/>
+                          <a:latin typeface="Consolas" panose="020B0609020204030204" pitchFamily="49" charset="0"/>
+                          <a:cs typeface="Consolas" panose="020B0609020204030204" pitchFamily="49" charset="0"/>
                         </a:rPr>
-                        <a:t>0,00566</a:t>
+                        <a:t>0.005658</a:t>
                       </a:r>
                     </a:p>
                   </a:txBody>
@@ -11212,16 +11266,17 @@
                     <a:bodyPr/>
                     <a:lstStyle/>
                     <a:p>
-                      <a:pPr algn="r" fontAlgn="b"/>
+                      <a:pPr algn="l" fontAlgn="b"/>
                       <a:r>
-                        <a:rPr lang="ru-RU" sz="1100" b="0" i="0" u="none" strike="noStrike">
+                        <a:rPr lang="ru-RU" sz="1000" b="0" i="0" u="none" strike="noStrike">
                           <a:solidFill>
                             <a:srgbClr val="000000"/>
                           </a:solidFill>
                           <a:effectLst/>
-                          <a:latin typeface="Calibri" panose="020F0502020204030204" pitchFamily="34" charset="0"/>
+                          <a:latin typeface="Consolas" panose="020B0609020204030204" pitchFamily="49" charset="0"/>
+                          <a:cs typeface="Consolas" panose="020B0609020204030204" pitchFamily="49" charset="0"/>
                         </a:rPr>
-                        <a:t>0,01794</a:t>
+                        <a:t>0.017943</a:t>
                       </a:r>
                     </a:p>
                   </a:txBody>
@@ -11248,16 +11303,17 @@
                     <a:bodyPr/>
                     <a:lstStyle/>
                     <a:p>
-                      <a:pPr algn="r" fontAlgn="b"/>
+                      <a:pPr algn="l" fontAlgn="b"/>
                       <a:r>
-                        <a:rPr lang="ru-RU" sz="1100" b="0" i="0" u="none" strike="noStrike">
+                        <a:rPr lang="ru-RU" sz="1000" b="0" i="0" u="none" strike="noStrike">
                           <a:solidFill>
                             <a:srgbClr val="000000"/>
                           </a:solidFill>
                           <a:effectLst/>
-                          <a:latin typeface="Calibri" panose="020F0502020204030204" pitchFamily="34" charset="0"/>
+                          <a:latin typeface="Consolas" panose="020B0609020204030204" pitchFamily="49" charset="0"/>
+                          <a:cs typeface="Consolas" panose="020B0609020204030204" pitchFamily="49" charset="0"/>
                         </a:rPr>
-                        <a:t>0,02636</a:t>
+                        <a:t>0.026363</a:t>
                       </a:r>
                     </a:p>
                   </a:txBody>
@@ -11284,16 +11340,17 @@
                     <a:bodyPr/>
                     <a:lstStyle/>
                     <a:p>
-                      <a:pPr algn="r" fontAlgn="b"/>
+                      <a:pPr algn="l" fontAlgn="b"/>
                       <a:r>
-                        <a:rPr lang="ru-RU" sz="1100" b="0" i="0" u="none" strike="noStrike">
+                        <a:rPr lang="ru-RU" sz="1000" b="0" i="0" u="none" strike="noStrike">
                           <a:solidFill>
                             <a:srgbClr val="000000"/>
                           </a:solidFill>
                           <a:effectLst/>
-                          <a:latin typeface="Calibri" panose="020F0502020204030204" pitchFamily="34" charset="0"/>
+                          <a:latin typeface="Consolas" panose="020B0609020204030204" pitchFamily="49" charset="0"/>
+                          <a:cs typeface="Consolas" panose="020B0609020204030204" pitchFamily="49" charset="0"/>
                         </a:rPr>
-                        <a:t>0,01794</a:t>
+                        <a:t>0.017943</a:t>
                       </a:r>
                     </a:p>
                   </a:txBody>
@@ -11320,16 +11377,17 @@
                     <a:bodyPr/>
                     <a:lstStyle/>
                     <a:p>
-                      <a:pPr algn="r" fontAlgn="b"/>
+                      <a:pPr algn="l" fontAlgn="b"/>
                       <a:r>
-                        <a:rPr lang="ru-RU" sz="1100" b="0" i="0" u="none" strike="noStrike">
+                        <a:rPr lang="ru-RU" sz="1000" b="0" i="0" u="none" strike="noStrike">
                           <a:solidFill>
                             <a:srgbClr val="000000"/>
                           </a:solidFill>
                           <a:effectLst/>
-                          <a:latin typeface="Calibri" panose="020F0502020204030204" pitchFamily="34" charset="0"/>
+                          <a:latin typeface="Consolas" panose="020B0609020204030204" pitchFamily="49" charset="0"/>
+                          <a:cs typeface="Consolas" panose="020B0609020204030204" pitchFamily="49" charset="0"/>
                         </a:rPr>
-                        <a:t>0,00566</a:t>
+                        <a:t>0.005658</a:t>
                       </a:r>
                     </a:p>
                   </a:txBody>
@@ -11356,16 +11414,17 @@
                     <a:bodyPr/>
                     <a:lstStyle/>
                     <a:p>
-                      <a:pPr algn="r" fontAlgn="b"/>
+                      <a:pPr algn="l" fontAlgn="b"/>
                       <a:r>
-                        <a:rPr lang="ru-RU" sz="1100" b="0" i="0" u="none" strike="noStrike">
+                        <a:rPr lang="ru-RU" sz="1000" b="0" i="0" u="none" strike="noStrike">
                           <a:solidFill>
                             <a:srgbClr val="000000"/>
                           </a:solidFill>
                           <a:effectLst/>
-                          <a:latin typeface="Calibri" panose="020F0502020204030204" pitchFamily="34" charset="0"/>
+                          <a:latin typeface="Consolas" panose="020B0609020204030204" pitchFamily="49" charset="0"/>
+                          <a:cs typeface="Consolas" panose="020B0609020204030204" pitchFamily="49" charset="0"/>
                         </a:rPr>
-                        <a:t>0,00083</a:t>
+                        <a:t>0.000826</a:t>
                       </a:r>
                     </a:p>
                   </a:txBody>
@@ -11394,20 +11453,21 @@
                     <a:bodyPr/>
                     <a:lstStyle/>
                     <a:p>
-                      <a:pPr algn="r" fontAlgn="b"/>
+                      <a:pPr algn="l" fontAlgn="ctr"/>
                       <a:r>
-                        <a:rPr lang="ru-RU" sz="1100" b="0" i="0" u="none" strike="noStrike">
+                        <a:rPr lang="ru-RU" sz="1000" b="0" i="0" u="none" strike="noStrike">
                           <a:solidFill>
                             <a:srgbClr val="000000"/>
                           </a:solidFill>
                           <a:effectLst/>
-                          <a:latin typeface="Calibri" panose="020F0502020204030204" pitchFamily="34" charset="0"/>
+                          <a:latin typeface="Consolas" panose="020B0609020204030204" pitchFamily="49" charset="0"/>
+                          <a:cs typeface="Consolas" panose="020B0609020204030204" pitchFamily="49" charset="0"/>
                         </a:rPr>
-                        <a:t>0,00012</a:t>
+                        <a:t>0.000121</a:t>
                       </a:r>
                     </a:p>
                   </a:txBody>
-                  <a:tcPr marL="9525" marR="9525" marT="9525" marB="0" anchor="b">
+                  <a:tcPr marL="9525" marR="9525" marT="9525" marB="0" anchor="ctr">
                     <a:lnL>
                       <a:noFill/>
                     </a:lnL>
@@ -11430,16 +11490,17 @@
                     <a:bodyPr/>
                     <a:lstStyle/>
                     <a:p>
-                      <a:pPr algn="r" fontAlgn="b"/>
+                      <a:pPr algn="l" fontAlgn="b"/>
                       <a:r>
-                        <a:rPr lang="ru-RU" sz="1100" b="0" i="0" u="none" strike="noStrike">
+                        <a:rPr lang="ru-RU" sz="1000" b="0" i="0" u="none" strike="noStrike">
                           <a:solidFill>
                             <a:srgbClr val="000000"/>
                           </a:solidFill>
                           <a:effectLst/>
-                          <a:latin typeface="Calibri" panose="020F0502020204030204" pitchFamily="34" charset="0"/>
+                          <a:latin typeface="Consolas" panose="020B0609020204030204" pitchFamily="49" charset="0"/>
+                          <a:cs typeface="Consolas" panose="020B0609020204030204" pitchFamily="49" charset="0"/>
                         </a:rPr>
-                        <a:t>0,00083</a:t>
+                        <a:t>0.000826</a:t>
                       </a:r>
                     </a:p>
                   </a:txBody>
@@ -11466,16 +11527,17 @@
                     <a:bodyPr/>
                     <a:lstStyle/>
                     <a:p>
-                      <a:pPr algn="r" fontAlgn="b"/>
+                      <a:pPr algn="l" fontAlgn="b"/>
                       <a:r>
-                        <a:rPr lang="ru-RU" sz="1100" b="0" i="0" u="none" strike="noStrike">
+                        <a:rPr lang="ru-RU" sz="1000" b="0" i="0" u="none" strike="noStrike">
                           <a:solidFill>
                             <a:srgbClr val="000000"/>
                           </a:solidFill>
                           <a:effectLst/>
-                          <a:latin typeface="Calibri" panose="020F0502020204030204" pitchFamily="34" charset="0"/>
+                          <a:latin typeface="Consolas" panose="020B0609020204030204" pitchFamily="49" charset="0"/>
+                          <a:cs typeface="Consolas" panose="020B0609020204030204" pitchFamily="49" charset="0"/>
                         </a:rPr>
-                        <a:t>0,00262</a:t>
+                        <a:t>0.002621</a:t>
                       </a:r>
                     </a:p>
                   </a:txBody>
@@ -11502,16 +11564,17 @@
                     <a:bodyPr/>
                     <a:lstStyle/>
                     <a:p>
-                      <a:pPr algn="r" fontAlgn="b"/>
+                      <a:pPr algn="l" fontAlgn="b"/>
                       <a:r>
-                        <a:rPr lang="ru-RU" sz="1100" b="0" i="0" u="none" strike="noStrike">
+                        <a:rPr lang="ru-RU" sz="1000" b="0" i="0" u="none" strike="noStrike">
                           <a:solidFill>
                             <a:srgbClr val="000000"/>
                           </a:solidFill>
                           <a:effectLst/>
-                          <a:latin typeface="Calibri" panose="020F0502020204030204" pitchFamily="34" charset="0"/>
+                          <a:latin typeface="Consolas" panose="020B0609020204030204" pitchFamily="49" charset="0"/>
+                          <a:cs typeface="Consolas" panose="020B0609020204030204" pitchFamily="49" charset="0"/>
                         </a:rPr>
-                        <a:t>0,00385</a:t>
+                        <a:t>0.003851</a:t>
                       </a:r>
                     </a:p>
                   </a:txBody>
@@ -11538,16 +11601,17 @@
                     <a:bodyPr/>
                     <a:lstStyle/>
                     <a:p>
-                      <a:pPr algn="r" fontAlgn="b"/>
+                      <a:pPr algn="l" fontAlgn="b"/>
                       <a:r>
-                        <a:rPr lang="ru-RU" sz="1100" b="0" i="0" u="none" strike="noStrike">
+                        <a:rPr lang="ru-RU" sz="1000" b="0" i="0" u="none" strike="noStrike">
                           <a:solidFill>
                             <a:srgbClr val="000000"/>
                           </a:solidFill>
                           <a:effectLst/>
-                          <a:latin typeface="Calibri" panose="020F0502020204030204" pitchFamily="34" charset="0"/>
+                          <a:latin typeface="Consolas" panose="020B0609020204030204" pitchFamily="49" charset="0"/>
+                          <a:cs typeface="Consolas" panose="020B0609020204030204" pitchFamily="49" charset="0"/>
                         </a:rPr>
-                        <a:t>0,00262</a:t>
+                        <a:t>0.002621</a:t>
                       </a:r>
                     </a:p>
                   </a:txBody>
@@ -11574,16 +11638,17 @@
                     <a:bodyPr/>
                     <a:lstStyle/>
                     <a:p>
-                      <a:pPr algn="r" fontAlgn="b"/>
+                      <a:pPr algn="l" fontAlgn="b"/>
                       <a:r>
-                        <a:rPr lang="ru-RU" sz="1100" b="0" i="0" u="none" strike="noStrike">
+                        <a:rPr lang="ru-RU" sz="1000" b="0" i="0" u="none" strike="noStrike">
                           <a:solidFill>
                             <a:srgbClr val="000000"/>
                           </a:solidFill>
                           <a:effectLst/>
-                          <a:latin typeface="Calibri" panose="020F0502020204030204" pitchFamily="34" charset="0"/>
+                          <a:latin typeface="Consolas" panose="020B0609020204030204" pitchFamily="49" charset="0"/>
+                          <a:cs typeface="Consolas" panose="020B0609020204030204" pitchFamily="49" charset="0"/>
                         </a:rPr>
-                        <a:t>0,00083</a:t>
+                        <a:t>0.000826</a:t>
                       </a:r>
                     </a:p>
                   </a:txBody>
@@ -11610,16 +11675,17 @@
                     <a:bodyPr/>
                     <a:lstStyle/>
                     <a:p>
-                      <a:pPr algn="r" fontAlgn="b"/>
+                      <a:pPr algn="l" fontAlgn="b"/>
                       <a:r>
-                        <a:rPr lang="ru-RU" sz="1100" b="0" i="0" u="none" strike="noStrike" dirty="0">
+                        <a:rPr lang="ru-RU" sz="1000" b="0" i="0" u="none" strike="noStrike" dirty="0">
                           <a:solidFill>
                             <a:srgbClr val="000000"/>
                           </a:solidFill>
                           <a:effectLst/>
-                          <a:latin typeface="Calibri" panose="020F0502020204030204" pitchFamily="34" charset="0"/>
+                          <a:latin typeface="Consolas" panose="020B0609020204030204" pitchFamily="49" charset="0"/>
+                          <a:cs typeface="Consolas" panose="020B0609020204030204" pitchFamily="49" charset="0"/>
                         </a:rPr>
-                        <a:t>0,00012</a:t>
+                        <a:t>0.000121</a:t>
                       </a:r>
                     </a:p>
                   </a:txBody>
@@ -11932,7 +11998,333 @@
           <a:bodyPr/>
           <a:lstStyle/>
           <a:p>
-            <a:endParaRPr lang="ru-RU"/>
+            <a:r>
+              <a:rPr lang="ru-RU" dirty="0" smtClean="0"/>
+              <a:t>Веса</a:t>
+            </a:r>
+            <a:endParaRPr lang="ru-RU" dirty="0"/>
+          </a:p>
+        </p:txBody>
+      </p:sp>
+      <p:sp>
+        <p:nvSpPr>
+          <p:cNvPr id="3" name="Объект 2"/>
+          <p:cNvSpPr>
+            <a:spLocks noGrp="1"/>
+          </p:cNvSpPr>
+          <p:nvPr>
+            <p:ph idx="1"/>
+          </p:nvPr>
+        </p:nvSpPr>
+        <p:spPr/>
+        <p:txBody>
+          <a:bodyPr/>
+          <a:lstStyle/>
+          <a:p>
+            <a:r>
+              <a:rPr lang="ru-RU" dirty="0"/>
+              <a:t>При </a:t>
+            </a:r>
+            <a:r>
+              <a:rPr lang="ru-RU" dirty="0" err="1"/>
+              <a:t>арифм</a:t>
+            </a:r>
+            <a:r>
+              <a:rPr lang="ru-RU" dirty="0"/>
+              <a:t> усреднении </a:t>
+            </a:r>
+            <a:r>
+              <a:rPr lang="ru-RU" dirty="0" smtClean="0"/>
+              <a:t>мы </a:t>
+            </a:r>
+            <a:r>
+              <a:rPr lang="ru-RU" dirty="0"/>
+              <a:t>сужаем диапазон. Если у каждого черного пикселя есть светлый сосед в пределах </a:t>
+            </a:r>
+            <a:r>
+              <a:rPr lang="ru-RU" dirty="0" smtClean="0"/>
+              <a:t>окна</a:t>
+            </a:r>
+            <a:r>
+              <a:rPr lang="en-US" dirty="0" smtClean="0"/>
+              <a:t>, </a:t>
+            </a:r>
+            <a:r>
+              <a:rPr lang="ru-RU" dirty="0" smtClean="0"/>
+              <a:t>на усредненном чисто черных пикселей уже не будет вообще</a:t>
+            </a:r>
+            <a:endParaRPr lang="en-US" dirty="0"/>
+          </a:p>
+          <a:p>
+            <a:r>
+              <a:rPr lang="ru-RU" dirty="0" smtClean="0"/>
+              <a:t>Среднее арифметическое (</a:t>
+            </a:r>
+            <a:r>
+              <a:rPr lang="en-US" dirty="0" smtClean="0"/>
+              <a:t>10+20+22+24+27</a:t>
+            </a:r>
+            <a:r>
+              <a:rPr lang="ru-RU" dirty="0" smtClean="0"/>
+              <a:t>)</a:t>
+            </a:r>
+            <a:r>
+              <a:rPr lang="en-US" dirty="0" smtClean="0"/>
+              <a:t>/</a:t>
+            </a:r>
+            <a:r>
+              <a:rPr lang="en-US" b="1" dirty="0" smtClean="0">
+                <a:solidFill>
+                  <a:schemeClr val="accent1">
+                    <a:lumMod val="75000"/>
+                  </a:schemeClr>
+                </a:solidFill>
+              </a:rPr>
+              <a:t>5</a:t>
+            </a:r>
+          </a:p>
+          <a:p>
+            <a:r>
+              <a:rPr lang="ru-RU" dirty="0" smtClean="0"/>
+              <a:t>Распишем </a:t>
+            </a:r>
+            <a:r>
+              <a:rPr lang="en-US" b="1" dirty="0">
+                <a:solidFill>
+                  <a:schemeClr val="accent1">
+                    <a:lumMod val="75000"/>
+                  </a:schemeClr>
+                </a:solidFill>
+              </a:rPr>
+              <a:t>0.2</a:t>
+            </a:r>
+            <a:r>
+              <a:rPr lang="en-US" dirty="0" smtClean="0"/>
+              <a:t>*10 + </a:t>
+            </a:r>
+            <a:r>
+              <a:rPr lang="en-US" b="1" dirty="0">
+                <a:solidFill>
+                  <a:schemeClr val="accent1">
+                    <a:lumMod val="75000"/>
+                  </a:schemeClr>
+                </a:solidFill>
+              </a:rPr>
+              <a:t>0.2</a:t>
+            </a:r>
+            <a:r>
+              <a:rPr lang="en-US" dirty="0" smtClean="0"/>
+              <a:t>*20+ </a:t>
+            </a:r>
+            <a:r>
+              <a:rPr lang="en-US" b="1" dirty="0">
+                <a:solidFill>
+                  <a:schemeClr val="accent1">
+                    <a:lumMod val="75000"/>
+                  </a:schemeClr>
+                </a:solidFill>
+              </a:rPr>
+              <a:t>0.2</a:t>
+            </a:r>
+            <a:r>
+              <a:rPr lang="en-US" dirty="0" smtClean="0"/>
+              <a:t>*22+</a:t>
+            </a:r>
+            <a:r>
+              <a:rPr lang="en-US" b="1" dirty="0">
+                <a:solidFill>
+                  <a:schemeClr val="accent1">
+                    <a:lumMod val="75000"/>
+                  </a:schemeClr>
+                </a:solidFill>
+              </a:rPr>
+              <a:t>0.2</a:t>
+            </a:r>
+            <a:r>
+              <a:rPr lang="en-US" dirty="0" smtClean="0"/>
+              <a:t>*24 +</a:t>
+            </a:r>
+            <a:r>
+              <a:rPr lang="en-US" b="1" dirty="0" smtClean="0">
+                <a:solidFill>
+                  <a:schemeClr val="accent1">
+                    <a:lumMod val="75000"/>
+                  </a:schemeClr>
+                </a:solidFill>
+              </a:rPr>
+              <a:t>0.2</a:t>
+            </a:r>
+            <a:r>
+              <a:rPr lang="en-US" dirty="0" smtClean="0"/>
+              <a:t>*27</a:t>
+            </a:r>
+            <a:endParaRPr lang="ru-RU" dirty="0" smtClean="0"/>
+          </a:p>
+          <a:p>
+            <a:r>
+              <a:rPr lang="ru-RU" dirty="0" smtClean="0"/>
+              <a:t>Давайте сам пиксель (по центру) будет важнее:</a:t>
+            </a:r>
+          </a:p>
+          <a:p>
+            <a:r>
+              <a:rPr lang="en-US" b="1" dirty="0" smtClean="0">
+                <a:solidFill>
+                  <a:schemeClr val="accent1">
+                    <a:lumMod val="75000"/>
+                  </a:schemeClr>
+                </a:solidFill>
+              </a:rPr>
+              <a:t>0.</a:t>
+            </a:r>
+            <a:r>
+              <a:rPr lang="ru-RU" b="1" dirty="0" smtClean="0">
+                <a:solidFill>
+                  <a:schemeClr val="accent1">
+                    <a:lumMod val="75000"/>
+                  </a:schemeClr>
+                </a:solidFill>
+              </a:rPr>
+              <a:t>01</a:t>
+            </a:r>
+            <a:r>
+              <a:rPr lang="en-US" dirty="0" smtClean="0"/>
+              <a:t>*10 </a:t>
+            </a:r>
+            <a:r>
+              <a:rPr lang="en-US" dirty="0"/>
+              <a:t>+ </a:t>
+            </a:r>
+            <a:r>
+              <a:rPr lang="en-US" b="1" dirty="0">
+                <a:solidFill>
+                  <a:schemeClr val="accent2"/>
+                </a:solidFill>
+              </a:rPr>
+              <a:t>0.2</a:t>
+            </a:r>
+            <a:r>
+              <a:rPr lang="en-US" dirty="0"/>
+              <a:t>*20+ </a:t>
+            </a:r>
+            <a:r>
+              <a:rPr lang="en-US" b="1" dirty="0" smtClean="0">
+                <a:solidFill>
+                  <a:srgbClr val="FF0000"/>
+                </a:solidFill>
+              </a:rPr>
+              <a:t>0.</a:t>
+            </a:r>
+            <a:r>
+              <a:rPr lang="ru-RU" b="1" dirty="0" smtClean="0">
+                <a:solidFill>
+                  <a:srgbClr val="FF0000"/>
+                </a:solidFill>
+              </a:rPr>
+              <a:t>59</a:t>
+            </a:r>
+            <a:r>
+              <a:rPr lang="en-US" dirty="0" smtClean="0"/>
+              <a:t>*22+</a:t>
+            </a:r>
+            <a:r>
+              <a:rPr lang="en-US" b="1" dirty="0" smtClean="0">
+                <a:solidFill>
+                  <a:schemeClr val="accent2"/>
+                </a:solidFill>
+              </a:rPr>
+              <a:t>0.2</a:t>
+            </a:r>
+            <a:r>
+              <a:rPr lang="en-US" dirty="0" smtClean="0"/>
+              <a:t>*24 </a:t>
+            </a:r>
+            <a:r>
+              <a:rPr lang="en-US" dirty="0"/>
+              <a:t>+</a:t>
+            </a:r>
+            <a:r>
+              <a:rPr lang="en-US" b="1" dirty="0" smtClean="0">
+                <a:solidFill>
+                  <a:schemeClr val="accent1">
+                    <a:lumMod val="75000"/>
+                  </a:schemeClr>
+                </a:solidFill>
+              </a:rPr>
+              <a:t>0.</a:t>
+            </a:r>
+            <a:r>
+              <a:rPr lang="ru-RU" b="1" dirty="0" smtClean="0">
+                <a:solidFill>
+                  <a:schemeClr val="accent1">
+                    <a:lumMod val="75000"/>
+                  </a:schemeClr>
+                </a:solidFill>
+              </a:rPr>
+              <a:t>01</a:t>
+            </a:r>
+            <a:r>
+              <a:rPr lang="en-US" dirty="0" smtClean="0"/>
+              <a:t>*27</a:t>
+            </a:r>
+            <a:endParaRPr lang="ru-RU" dirty="0"/>
+          </a:p>
+        </p:txBody>
+      </p:sp>
+    </p:spTree>
+    <p:extLst>
+      <p:ext uri="{BB962C8B-B14F-4D97-AF65-F5344CB8AC3E}">
+        <p14:creationId xmlns:p14="http://schemas.microsoft.com/office/powerpoint/2010/main" val="1471597062"/>
+      </p:ext>
+    </p:extLst>
+  </p:cSld>
+  <p:clrMapOvr>
+    <a:masterClrMapping/>
+  </p:clrMapOvr>
+</p:sld>
+</file>
+
+<file path=ppt/slides/slide26.xml><?xml version="1.0" encoding="utf-8"?>
+<p:sld xmlns:a="http://schemas.openxmlformats.org/drawingml/2006/main" xmlns:r="http://schemas.openxmlformats.org/officeDocument/2006/relationships" xmlns:p="http://schemas.openxmlformats.org/presentationml/2006/main">
+  <p:cSld>
+    <p:spTree>
+      <p:nvGrpSpPr>
+        <p:cNvPr id="1" name=""/>
+        <p:cNvGrpSpPr/>
+        <p:nvPr/>
+      </p:nvGrpSpPr>
+      <p:grpSpPr>
+        <a:xfrm>
+          <a:off x="0" y="0"/>
+          <a:ext cx="0" cy="0"/>
+          <a:chOff x="0" y="0"/>
+          <a:chExt cx="0" cy="0"/>
+        </a:xfrm>
+      </p:grpSpPr>
+      <p:sp>
+        <p:nvSpPr>
+          <p:cNvPr id="2" name="Заголовок 1"/>
+          <p:cNvSpPr>
+            <a:spLocks noGrp="1"/>
+          </p:cNvSpPr>
+          <p:nvPr>
+            <p:ph type="title"/>
+          </p:nvPr>
+        </p:nvSpPr>
+        <p:spPr/>
+        <p:txBody>
+          <a:bodyPr/>
+          <a:lstStyle/>
+          <a:p>
+            <a:r>
+              <a:rPr lang="ru-RU" dirty="0" smtClean="0"/>
+              <a:t>Задание 2</a:t>
+            </a:r>
+            <a:r>
+              <a:rPr lang="ru-RU" smtClean="0"/>
+              <a:t>: программа</a:t>
+            </a:r>
+            <a:endParaRPr lang="ru-RU" dirty="0"/>
           </a:p>
         </p:txBody>
       </p:sp>
@@ -12120,86 +12512,13 @@
   <p:clrMapOvr>
     <a:masterClrMapping/>
   </p:clrMapOvr>
-</p:sld>
-</file>
-
-<file path=ppt/slides/slide26.xml><?xml version="1.0" encoding="utf-8"?>
-<p:sld xmlns:a="http://schemas.openxmlformats.org/drawingml/2006/main" xmlns:r="http://schemas.openxmlformats.org/officeDocument/2006/relationships" xmlns:p="http://schemas.openxmlformats.org/presentationml/2006/main">
-  <p:cSld>
-    <p:spTree>
-      <p:nvGrpSpPr>
-        <p:cNvPr id="1" name=""/>
-        <p:cNvGrpSpPr/>
-        <p:nvPr/>
-      </p:nvGrpSpPr>
-      <p:grpSpPr>
-        <a:xfrm>
-          <a:off x="0" y="0"/>
-          <a:ext cx="0" cy="0"/>
-          <a:chOff x="0" y="0"/>
-          <a:chExt cx="0" cy="0"/>
-        </a:xfrm>
-      </p:grpSpPr>
-      <p:sp>
-        <p:nvSpPr>
-          <p:cNvPr id="2" name="Заголовок 1"/>
-          <p:cNvSpPr>
-            <a:spLocks noGrp="1"/>
-          </p:cNvSpPr>
-          <p:nvPr>
-            <p:ph type="title"/>
-          </p:nvPr>
-        </p:nvSpPr>
-        <p:spPr/>
-        <p:txBody>
-          <a:bodyPr/>
-          <a:lstStyle/>
-          <a:p>
-            <a:r>
-              <a:rPr lang="ru-RU" dirty="0" smtClean="0"/>
-              <a:t>Установка нужных библиотек</a:t>
-            </a:r>
-            <a:endParaRPr lang="ru-RU" dirty="0"/>
-          </a:p>
-        </p:txBody>
-      </p:sp>
-      <p:sp>
-        <p:nvSpPr>
-          <p:cNvPr id="3" name="Текст 2"/>
-          <p:cNvSpPr>
-            <a:spLocks noGrp="1"/>
-          </p:cNvSpPr>
-          <p:nvPr>
-            <p:ph type="body" idx="1"/>
-          </p:nvPr>
-        </p:nvSpPr>
-        <p:spPr/>
-        <p:txBody>
-          <a:bodyPr/>
-          <a:lstStyle/>
-          <a:p>
-            <a:r>
-              <a:rPr lang="ru-RU" dirty="0" smtClean="0"/>
-              <a:t>Особенно в </a:t>
-            </a:r>
-            <a:r>
-              <a:rPr lang="en-US" dirty="0" smtClean="0"/>
-              <a:t>Windows</a:t>
-            </a:r>
-            <a:endParaRPr lang="ru-RU" dirty="0"/>
-          </a:p>
-        </p:txBody>
-      </p:sp>
-    </p:spTree>
-    <p:extLst>
-      <p:ext uri="{BB962C8B-B14F-4D97-AF65-F5344CB8AC3E}">
-        <p14:creationId xmlns:p14="http://schemas.microsoft.com/office/powerpoint/2010/main" val="740933300"/>
-      </p:ext>
-    </p:extLst>
-  </p:cSld>
-  <p:clrMapOvr>
-    <a:masterClrMapping/>
-  </p:clrMapOvr>
+  <p:timing>
+    <p:tnLst>
+      <p:par>
+        <p:cTn id="1" dur="indefinite" restart="never" nodeType="tmRoot"/>
+      </p:par>
+    </p:tnLst>
+  </p:timing>
 </p:sld>
 </file>
 
@@ -12236,12 +12555,8 @@
           <a:lstStyle/>
           <a:p>
             <a:r>
-              <a:rPr lang="ru-RU" dirty="0"/>
-              <a:t>Установка </a:t>
-            </a:r>
-            <a:r>
-              <a:rPr lang="en-US" dirty="0" smtClean="0"/>
-              <a:t>pillow</a:t>
+              <a:rPr lang="ru-RU" dirty="0" smtClean="0"/>
+              <a:t>Установка нужных библиотек</a:t>
             </a:r>
             <a:endParaRPr lang="ru-RU" dirty="0"/>
           </a:p>
@@ -12249,12 +12564,12 @@
       </p:sp>
       <p:sp>
         <p:nvSpPr>
-          <p:cNvPr id="3" name="Объект 2"/>
+          <p:cNvPr id="3" name="Текст 2"/>
           <p:cNvSpPr>
             <a:spLocks noGrp="1"/>
           </p:cNvSpPr>
           <p:nvPr>
-            <p:ph idx="1"/>
+            <p:ph type="body" idx="1"/>
           </p:nvPr>
         </p:nvSpPr>
         <p:spPr/>
@@ -12262,147 +12577,35 @@
           <a:bodyPr/>
           <a:lstStyle/>
           <a:p>
-            <a:pPr marL="0" indent="0">
-              <a:buNone/>
-            </a:pPr>
             <a:r>
               <a:rPr lang="ru-RU" dirty="0" smtClean="0"/>
-              <a:t>	</a:t>
-            </a:r>
-            <a:r>
-              <a:rPr lang="en-US" dirty="0" smtClean="0">
-                <a:latin typeface="Consolas" panose="020B0609020204030204" pitchFamily="49" charset="0"/>
-                <a:cs typeface="Consolas" panose="020B0609020204030204" pitchFamily="49" charset="0"/>
-              </a:rPr>
-              <a:t>pip install pillow</a:t>
-            </a:r>
-          </a:p>
-          <a:p>
-            <a:pPr marL="0" indent="0">
-              <a:buNone/>
-            </a:pPr>
-            <a:r>
-              <a:rPr lang="ru-RU" dirty="0"/>
-              <a:t>зависит от </a:t>
-            </a:r>
-            <a:r>
-              <a:rPr lang="ru-RU" dirty="0" err="1"/>
-              <a:t>olefile</a:t>
+              <a:t>Особенно в </a:t>
+            </a:r>
+            <a:r>
+              <a:rPr lang="en-US" dirty="0" smtClean="0"/>
+              <a:t>Windows</a:t>
             </a:r>
             <a:endParaRPr lang="ru-RU" dirty="0"/>
-          </a:p>
-          <a:p>
-            <a:pPr marL="0" indent="0">
-              <a:buNone/>
-            </a:pPr>
-            <a:r>
-              <a:rPr lang="ru-RU" dirty="0" smtClean="0"/>
-              <a:t>если под </a:t>
-            </a:r>
-            <a:r>
-              <a:rPr lang="en-US" dirty="0" smtClean="0"/>
-              <a:t>Windows </a:t>
-            </a:r>
-            <a:r>
-              <a:rPr lang="ru-RU" dirty="0" smtClean="0"/>
-              <a:t>есть ошибки, проще скачать  и установить </a:t>
-            </a:r>
-            <a:r>
-              <a:rPr lang="ru-RU" dirty="0" err="1" smtClean="0"/>
-              <a:t>предкомпилированные</a:t>
-            </a:r>
-            <a:r>
-              <a:rPr lang="ru-RU" dirty="0" smtClean="0"/>
-              <a:t> колеса (пакеты </a:t>
-            </a:r>
-            <a:r>
-              <a:rPr lang="en-US" dirty="0" smtClean="0"/>
-              <a:t>wheels) </a:t>
-            </a:r>
-            <a:r>
-              <a:rPr lang="ru-RU" dirty="0" smtClean="0"/>
-              <a:t>с </a:t>
-            </a:r>
-            <a:r>
-              <a:rPr lang="az-Latn-AZ" sz="2400" dirty="0">
-                <a:hlinkClick r:id="rId2"/>
-              </a:rPr>
-              <a:t>https://www.lfd.uci.edu/~gohlke/pythonlibs</a:t>
-            </a:r>
-            <a:r>
-              <a:rPr lang="az-Latn-AZ" sz="2400" dirty="0" smtClean="0">
-                <a:hlinkClick r:id="rId2"/>
-              </a:rPr>
-              <a:t>/</a:t>
-            </a:r>
-            <a:endParaRPr lang="ru-RU" sz="2400" dirty="0"/>
-          </a:p>
-          <a:p>
-            <a:pPr marL="514350" indent="-514350">
-              <a:buFont typeface="+mj-lt"/>
-              <a:buAutoNum type="arabicPeriod"/>
-            </a:pPr>
-            <a:r>
-              <a:rPr lang="ru-RU" sz="2400" dirty="0" smtClean="0"/>
-              <a:t>колесо для </a:t>
-            </a:r>
-            <a:r>
-              <a:rPr lang="en-US" sz="2400" dirty="0" err="1" smtClean="0"/>
-              <a:t>olefile</a:t>
-            </a:r>
-            <a:r>
-              <a:rPr lang="en-US" sz="2400" dirty="0" smtClean="0"/>
-              <a:t>:</a:t>
-            </a:r>
-            <a:r>
-              <a:rPr lang="ru-RU" sz="2700" dirty="0" smtClean="0">
-                <a:hlinkClick r:id="rId3"/>
-              </a:rPr>
-              <a:t/>
-            </a:r>
-            <a:br>
-              <a:rPr lang="ru-RU" sz="2700" dirty="0" smtClean="0">
-                <a:hlinkClick r:id="rId3"/>
-              </a:rPr>
-            </a:br>
-            <a:r>
-              <a:rPr lang="az-Latn-AZ" sz="2700" dirty="0" smtClean="0">
-                <a:hlinkClick r:id="rId3"/>
-              </a:rPr>
-              <a:t>https</a:t>
-            </a:r>
-            <a:r>
-              <a:rPr lang="az-Latn-AZ" sz="2700" dirty="0">
-                <a:hlinkClick r:id="rId3"/>
-              </a:rPr>
-              <a:t>://</a:t>
-            </a:r>
-            <a:r>
-              <a:rPr lang="az-Latn-AZ" sz="2700" dirty="0" smtClean="0">
-                <a:hlinkClick r:id="rId3"/>
-              </a:rPr>
-              <a:t>download.lfd.uci.edu/pythonlibs/zhckc95n/olefile-0.44-py2.py3-none-any.whl</a:t>
-            </a:r>
-            <a:endParaRPr lang="ru-RU" sz="2700" dirty="0" smtClean="0"/>
-          </a:p>
-          <a:p>
-            <a:pPr marL="0" indent="0">
-              <a:buNone/>
-            </a:pPr>
-            <a:endParaRPr lang="ru-RU" dirty="0" smtClean="0"/>
           </a:p>
         </p:txBody>
       </p:sp>
     </p:spTree>
     <p:extLst>
       <p:ext uri="{BB962C8B-B14F-4D97-AF65-F5344CB8AC3E}">
-        <p14:creationId xmlns:p14="http://schemas.microsoft.com/office/powerpoint/2010/main" val="1751824383"/>
+        <p14:creationId xmlns:p14="http://schemas.microsoft.com/office/powerpoint/2010/main" val="740933300"/>
       </p:ext>
     </p:extLst>
   </p:cSld>
   <p:clrMapOvr>
     <a:masterClrMapping/>
   </p:clrMapOvr>
+  <p:timing>
+    <p:tnLst>
+      <p:par>
+        <p:cTn id="1" dur="indefinite" restart="never" nodeType="tmRoot"/>
+      </p:par>
+    </p:tnLst>
+  </p:timing>
 </p:sld>
 </file>
 
@@ -12439,6 +12642,10 @@
           <a:lstStyle/>
           <a:p>
             <a:r>
+              <a:rPr lang="ru-RU" dirty="0"/>
+              <a:t>Установка </a:t>
+            </a:r>
+            <a:r>
               <a:rPr lang="en-US" dirty="0" smtClean="0"/>
               <a:t>pillow</a:t>
             </a:r>
@@ -12458,200 +12665,157 @@
         </p:nvSpPr>
         <p:spPr/>
         <p:txBody>
-          <a:bodyPr>
-            <a:normAutofit lnSpcReduction="10000"/>
-          </a:bodyPr>
+          <a:bodyPr/>
           <a:lstStyle/>
+          <a:p>
+            <a:pPr marL="0" indent="0">
+              <a:buNone/>
+            </a:pPr>
+            <a:r>
+              <a:rPr lang="ru-RU" dirty="0" smtClean="0"/>
+              <a:t>	</a:t>
+            </a:r>
+            <a:r>
+              <a:rPr lang="en-US" dirty="0" smtClean="0">
+                <a:latin typeface="Consolas" panose="020B0609020204030204" pitchFamily="49" charset="0"/>
+                <a:cs typeface="Consolas" panose="020B0609020204030204" pitchFamily="49" charset="0"/>
+              </a:rPr>
+              <a:t>pip install pillow</a:t>
+            </a:r>
+          </a:p>
+          <a:p>
+            <a:pPr marL="0" indent="0">
+              <a:buNone/>
+            </a:pPr>
+            <a:r>
+              <a:rPr lang="ru-RU" dirty="0"/>
+              <a:t>зависит от </a:t>
+            </a:r>
+            <a:r>
+              <a:rPr lang="ru-RU" dirty="0" err="1"/>
+              <a:t>olefile</a:t>
+            </a:r>
+            <a:endParaRPr lang="ru-RU" dirty="0"/>
+          </a:p>
+          <a:p>
+            <a:pPr marL="0" indent="0">
+              <a:buNone/>
+            </a:pPr>
+            <a:r>
+              <a:rPr lang="ru-RU" dirty="0" smtClean="0"/>
+              <a:t>если под </a:t>
+            </a:r>
+            <a:r>
+              <a:rPr lang="en-US" dirty="0" smtClean="0"/>
+              <a:t>Windows </a:t>
+            </a:r>
+            <a:r>
+              <a:rPr lang="ru-RU" dirty="0" smtClean="0"/>
+              <a:t>есть ошибки, проще скачать  и установить </a:t>
+            </a:r>
+            <a:r>
+              <a:rPr lang="ru-RU" dirty="0" err="1" smtClean="0"/>
+              <a:t>предкомпилированные</a:t>
+            </a:r>
+            <a:r>
+              <a:rPr lang="ru-RU" dirty="0" smtClean="0"/>
+              <a:t> колеса (пакеты </a:t>
+            </a:r>
+            <a:r>
+              <a:rPr lang="en-US" dirty="0" smtClean="0"/>
+              <a:t>wheels) </a:t>
+            </a:r>
+            <a:r>
+              <a:rPr lang="ru-RU" dirty="0" smtClean="0"/>
+              <a:t>с </a:t>
+            </a:r>
+            <a:r>
+              <a:rPr lang="az-Latn-AZ" sz="2400" dirty="0">
+                <a:hlinkClick r:id="rId2"/>
+              </a:rPr>
+              <a:t>https://www.lfd.uci.edu/~gohlke/pythonlibs</a:t>
+            </a:r>
+            <a:r>
+              <a:rPr lang="az-Latn-AZ" sz="2400" dirty="0" smtClean="0">
+                <a:hlinkClick r:id="rId2"/>
+              </a:rPr>
+              <a:t>/</a:t>
+            </a:r>
+            <a:endParaRPr lang="ru-RU" sz="2400" dirty="0"/>
+          </a:p>
           <a:p>
             <a:pPr marL="514350" indent="-514350">
               <a:buFont typeface="+mj-lt"/>
-              <a:buAutoNum type="arabicPeriod" startAt="2"/>
+              <a:buAutoNum type="arabicPeriod"/>
             </a:pPr>
             <a:r>
-              <a:rPr lang="ru-RU" sz="2700" dirty="0" smtClean="0"/>
+              <a:rPr lang="ru-RU" sz="2400" dirty="0" smtClean="0"/>
               <a:t>колесо для </a:t>
             </a:r>
             <a:r>
-              <a:rPr lang="en-US" sz="2700" dirty="0" smtClean="0"/>
-              <a:t>pillow: </a:t>
-            </a:r>
-            <a:r>
-              <a:rPr lang="ru-RU" sz="2700" dirty="0" smtClean="0"/>
+              <a:rPr lang="en-US" sz="2400" dirty="0" err="1" smtClean="0"/>
+              <a:t>olefile</a:t>
+            </a:r>
+            <a:r>
+              <a:rPr lang="en-US" sz="2400" dirty="0" smtClean="0"/>
+              <a:t>:</a:t>
+            </a:r>
+            <a:r>
+              <a:rPr lang="ru-RU" sz="2700" dirty="0" smtClean="0">
+                <a:hlinkClick r:id="rId3"/>
+              </a:rPr>
               <a:t/>
             </a:r>
             <a:br>
-              <a:rPr lang="ru-RU" sz="2700" dirty="0" smtClean="0"/>
+              <a:rPr lang="ru-RU" sz="2700" dirty="0" smtClean="0">
+                <a:hlinkClick r:id="rId3"/>
+              </a:rPr>
             </a:br>
             <a:r>
-              <a:rPr lang="ru-RU" sz="2700" dirty="0" smtClean="0"/>
-              <a:t>надо выбрать свою версию </a:t>
-            </a:r>
-            <a:r>
-              <a:rPr lang="ru-RU" sz="2700" dirty="0"/>
-              <a:t>и разрядность </a:t>
-            </a:r>
-            <a:r>
-              <a:rPr lang="ru-RU" sz="2700" dirty="0" smtClean="0"/>
-              <a:t>Питона:</a:t>
-            </a:r>
-            <a:endParaRPr lang="en-US" sz="2700" dirty="0" smtClean="0"/>
-          </a:p>
-          <a:p>
-            <a:pPr marL="812800" indent="-279400"/>
-            <a:r>
-              <a:rPr lang="az-Latn-AZ" sz="2400" dirty="0" smtClean="0">
-                <a:solidFill>
-                  <a:schemeClr val="accent6">
-                    <a:lumMod val="75000"/>
-                  </a:schemeClr>
-                </a:solidFill>
-                <a:latin typeface="Times New Roman" panose="02020603050405020304" pitchFamily="18" charset="0"/>
-                <a:cs typeface="Times New Roman" panose="02020603050405020304" pitchFamily="18" charset="0"/>
-              </a:rPr>
-              <a:t>Pillow‑4.3.0‑cp27‑cp27m‑win32.whl</a:t>
-            </a:r>
-            <a:endParaRPr lang="az-Latn-AZ" sz="2400" dirty="0">
-              <a:solidFill>
-                <a:schemeClr val="accent6">
-                  <a:lumMod val="75000"/>
-                </a:schemeClr>
-              </a:solidFill>
-              <a:latin typeface="Times New Roman" panose="02020603050405020304" pitchFamily="18" charset="0"/>
-              <a:cs typeface="Times New Roman" panose="02020603050405020304" pitchFamily="18" charset="0"/>
-            </a:endParaRPr>
-          </a:p>
-          <a:p>
-            <a:pPr marL="812800" indent="-279400"/>
-            <a:r>
-              <a:rPr lang="az-Latn-AZ" sz="2400" dirty="0">
-                <a:solidFill>
-                  <a:schemeClr val="accent6">
-                    <a:lumMod val="75000"/>
-                  </a:schemeClr>
-                </a:solidFill>
-                <a:latin typeface="Times New Roman" panose="02020603050405020304" pitchFamily="18" charset="0"/>
-                <a:cs typeface="Times New Roman" panose="02020603050405020304" pitchFamily="18" charset="0"/>
-              </a:rPr>
-              <a:t>Pillow‑4.3.0‑cp27‑cp27m‑win_amd64.whl</a:t>
-            </a:r>
-          </a:p>
-          <a:p>
-            <a:pPr marL="812800" indent="-279400"/>
-            <a:r>
-              <a:rPr lang="az-Latn-AZ" sz="2400" dirty="0" smtClean="0">
-                <a:solidFill>
-                  <a:schemeClr val="accent6">
-                    <a:lumMod val="75000"/>
-                  </a:schemeClr>
-                </a:solidFill>
-                <a:latin typeface="Times New Roman" panose="02020603050405020304" pitchFamily="18" charset="0"/>
-                <a:cs typeface="Times New Roman" panose="02020603050405020304" pitchFamily="18" charset="0"/>
-              </a:rPr>
-              <a:t>Pillow‑4.3.0‑cp35‑cp35m‑win32.whl</a:t>
-            </a:r>
-            <a:endParaRPr lang="az-Latn-AZ" sz="2400" dirty="0">
-              <a:solidFill>
-                <a:schemeClr val="accent6">
-                  <a:lumMod val="75000"/>
-                </a:schemeClr>
-              </a:solidFill>
-              <a:latin typeface="Times New Roman" panose="02020603050405020304" pitchFamily="18" charset="0"/>
-              <a:cs typeface="Times New Roman" panose="02020603050405020304" pitchFamily="18" charset="0"/>
-            </a:endParaRPr>
-          </a:p>
-          <a:p>
-            <a:pPr marL="812800" indent="-279400"/>
-            <a:r>
-              <a:rPr lang="az-Latn-AZ" sz="2400" dirty="0">
-                <a:solidFill>
-                  <a:schemeClr val="accent6">
-                    <a:lumMod val="75000"/>
-                  </a:schemeClr>
-                </a:solidFill>
-                <a:latin typeface="Times New Roman" panose="02020603050405020304" pitchFamily="18" charset="0"/>
-                <a:cs typeface="Times New Roman" panose="02020603050405020304" pitchFamily="18" charset="0"/>
-              </a:rPr>
-              <a:t>Pillow‑4.3.0‑cp35‑cp35m‑win_amd64.whl</a:t>
-            </a:r>
-          </a:p>
-          <a:p>
-            <a:pPr marL="812800" indent="-279400"/>
-            <a:r>
-              <a:rPr lang="az-Latn-AZ" sz="2400" dirty="0">
-                <a:solidFill>
-                  <a:schemeClr val="accent6">
-                    <a:lumMod val="75000"/>
-                  </a:schemeClr>
-                </a:solidFill>
-                <a:latin typeface="Times New Roman" panose="02020603050405020304" pitchFamily="18" charset="0"/>
-                <a:cs typeface="Times New Roman" panose="02020603050405020304" pitchFamily="18" charset="0"/>
-              </a:rPr>
-              <a:t>Pillow‑4.3.0‑cp36‑cp36m‑win32.whl</a:t>
-            </a:r>
-          </a:p>
-          <a:p>
-            <a:pPr marL="812800" indent="-279400"/>
-            <a:r>
-              <a:rPr lang="az-Latn-AZ" sz="2400" dirty="0" smtClean="0">
-                <a:solidFill>
-                  <a:schemeClr val="accent6">
-                    <a:lumMod val="75000"/>
-                  </a:schemeClr>
-                </a:solidFill>
-                <a:latin typeface="Times New Roman" panose="02020603050405020304" pitchFamily="18" charset="0"/>
-                <a:cs typeface="Times New Roman" panose="02020603050405020304" pitchFamily="18" charset="0"/>
-              </a:rPr>
-              <a:t>Pillow‑4.3.0‑cp36‑cp36m‑win_amd64.whl</a:t>
-            </a:r>
-          </a:p>
-          <a:p>
-            <a:pPr marL="812800" indent="-279400"/>
-            <a:r>
-              <a:rPr lang="ru-RU" sz="2400" dirty="0">
-                <a:solidFill>
-                  <a:schemeClr val="accent6">
-                    <a:lumMod val="75000"/>
-                  </a:schemeClr>
-                </a:solidFill>
-                <a:latin typeface="Times New Roman" panose="02020603050405020304" pitchFamily="18" charset="0"/>
-                <a:cs typeface="Times New Roman" panose="02020603050405020304" pitchFamily="18" charset="0"/>
-              </a:rPr>
-              <a:t>и</a:t>
-            </a:r>
-            <a:r>
-              <a:rPr lang="ru-RU" sz="2400" dirty="0" smtClean="0">
-                <a:solidFill>
-                  <a:schemeClr val="accent6">
-                    <a:lumMod val="75000"/>
-                  </a:schemeClr>
-                </a:solidFill>
-                <a:latin typeface="Times New Roman" panose="02020603050405020304" pitchFamily="18" charset="0"/>
-                <a:cs typeface="Times New Roman" panose="02020603050405020304" pitchFamily="18" charset="0"/>
-              </a:rPr>
-              <a:t> т.д.</a:t>
-            </a:r>
-            <a:endParaRPr lang="az-Latn-AZ" sz="2400" dirty="0">
-              <a:solidFill>
-                <a:schemeClr val="accent6">
-                  <a:lumMod val="75000"/>
-                </a:schemeClr>
-              </a:solidFill>
-              <a:latin typeface="Times New Roman" panose="02020603050405020304" pitchFamily="18" charset="0"/>
-              <a:cs typeface="Times New Roman" panose="02020603050405020304" pitchFamily="18" charset="0"/>
-            </a:endParaRPr>
+              <a:rPr lang="az-Latn-AZ" sz="2700" dirty="0" smtClean="0">
+                <a:hlinkClick r:id="rId3"/>
+              </a:rPr>
+              <a:t>https</a:t>
+            </a:r>
+            <a:r>
+              <a:rPr lang="az-Latn-AZ" sz="2700" dirty="0">
+                <a:hlinkClick r:id="rId3"/>
+              </a:rPr>
+              <a:t>://</a:t>
+            </a:r>
+            <a:r>
+              <a:rPr lang="az-Latn-AZ" sz="2700" dirty="0" smtClean="0">
+                <a:hlinkClick r:id="rId3"/>
+              </a:rPr>
+              <a:t>download.lfd.uci.edu/pythonlibs/zhckc95n/olefile-0.44-py2.py3-none-any.whl</a:t>
+            </a:r>
+            <a:endParaRPr lang="ru-RU" sz="2700" dirty="0" smtClean="0"/>
+          </a:p>
+          <a:p>
+            <a:pPr marL="0" indent="0">
+              <a:buNone/>
+            </a:pPr>
+            <a:endParaRPr lang="ru-RU" dirty="0" smtClean="0"/>
           </a:p>
         </p:txBody>
       </p:sp>
     </p:spTree>
     <p:extLst>
       <p:ext uri="{BB962C8B-B14F-4D97-AF65-F5344CB8AC3E}">
-        <p14:creationId xmlns:p14="http://schemas.microsoft.com/office/powerpoint/2010/main" val="911604711"/>
+        <p14:creationId xmlns:p14="http://schemas.microsoft.com/office/powerpoint/2010/main" val="1751824383"/>
       </p:ext>
     </p:extLst>
   </p:cSld>
   <p:clrMapOvr>
     <a:masterClrMapping/>
   </p:clrMapOvr>
+  <p:timing>
+    <p:tnLst>
+      <p:par>
+        <p:cTn id="1" dur="indefinite" restart="never" nodeType="tmRoot"/>
+      </p:par>
+    </p:tnLst>
+  </p:timing>
 </p:sld>
 </file>
 
@@ -12688,16 +12852,8 @@
           <a:lstStyle/>
           <a:p>
             <a:r>
-              <a:rPr lang="en-US" dirty="0" err="1" smtClean="0"/>
-              <a:t>numpy</a:t>
-            </a:r>
-            <a:r>
-              <a:rPr lang="ru-RU" dirty="0" smtClean="0"/>
-              <a:t>+</a:t>
-            </a:r>
-            <a:r>
               <a:rPr lang="en-US" dirty="0" smtClean="0"/>
-              <a:t>MKL</a:t>
+              <a:t>pillow</a:t>
             </a:r>
             <a:endParaRPr lang="ru-RU" dirty="0"/>
           </a:p>
@@ -12716,27 +12872,21 @@
         <p:spPr/>
         <p:txBody>
           <a:bodyPr>
-            <a:normAutofit fontScale="92500" lnSpcReduction="10000"/>
+            <a:normAutofit lnSpcReduction="10000"/>
           </a:bodyPr>
           <a:lstStyle/>
           <a:p>
-            <a:pPr marL="533400" indent="-533400">
-              <a:buAutoNum type="arabicPeriod" startAt="3"/>
-              <a:tabLst>
-                <a:tab pos="533400" algn="l"/>
-              </a:tabLst>
+            <a:pPr marL="514350" indent="-514350">
+              <a:buFont typeface="+mj-lt"/>
+              <a:buAutoNum type="arabicPeriod" startAt="2"/>
             </a:pPr>
             <a:r>
               <a:rPr lang="ru-RU" sz="2700" dirty="0" smtClean="0"/>
               <a:t>колесо для </a:t>
             </a:r>
             <a:r>
-              <a:rPr lang="en-US" sz="2700" dirty="0" err="1" smtClean="0"/>
-              <a:t>numpy</a:t>
-            </a:r>
-            <a:r>
               <a:rPr lang="en-US" sz="2700" dirty="0" smtClean="0"/>
-              <a:t> (&gt;100MB): </a:t>
+              <a:t>pillow: </a:t>
             </a:r>
             <a:r>
               <a:rPr lang="ru-RU" sz="2700" dirty="0" smtClean="0"/>
@@ -12760,13 +12910,9 @@
             <a:endParaRPr lang="en-US" sz="2700" dirty="0" smtClean="0"/>
           </a:p>
           <a:p>
-            <a:pPr marL="901700" indent="-368300">
-              <a:tabLst>
-                <a:tab pos="533400" algn="l"/>
-              </a:tabLst>
-            </a:pPr>
-            <a:r>
-              <a:rPr lang="en-US" sz="2700" dirty="0">
+            <a:pPr marL="812800" indent="-279400"/>
+            <a:r>
+              <a:rPr lang="az-Latn-AZ" sz="2400" dirty="0" smtClean="0">
                 <a:solidFill>
                   <a:schemeClr val="accent6">
                     <a:lumMod val="75000"/>
@@ -12775,142 +12921,9 @@
                 <a:latin typeface="Times New Roman" panose="02020603050405020304" pitchFamily="18" charset="0"/>
                 <a:cs typeface="Times New Roman" panose="02020603050405020304" pitchFamily="18" charset="0"/>
               </a:rPr>
-              <a:t>numpy‑1.13.3+mkl‑cp27‑cp27m‑win32.whl</a:t>
-            </a:r>
-          </a:p>
-          <a:p>
-            <a:pPr marL="901700" indent="-368300">
-              <a:tabLst>
-                <a:tab pos="533400" algn="l"/>
-              </a:tabLst>
-            </a:pPr>
-            <a:r>
-              <a:rPr lang="en-US" sz="2700" dirty="0">
-                <a:solidFill>
-                  <a:schemeClr val="accent6">
-                    <a:lumMod val="75000"/>
-                  </a:schemeClr>
-                </a:solidFill>
-                <a:latin typeface="Times New Roman" panose="02020603050405020304" pitchFamily="18" charset="0"/>
-                <a:cs typeface="Times New Roman" panose="02020603050405020304" pitchFamily="18" charset="0"/>
-              </a:rPr>
-              <a:t>numpy‑1.13.3+mkl‑cp27‑cp27m‑win_amd64.whl</a:t>
-            </a:r>
-          </a:p>
-          <a:p>
-            <a:pPr marL="901700" indent="-368300">
-              <a:tabLst>
-                <a:tab pos="533400" algn="l"/>
-              </a:tabLst>
-            </a:pPr>
-            <a:r>
-              <a:rPr lang="en-US" sz="2700" dirty="0">
-                <a:solidFill>
-                  <a:schemeClr val="accent6">
-                    <a:lumMod val="75000"/>
-                  </a:schemeClr>
-                </a:solidFill>
-                <a:latin typeface="Times New Roman" panose="02020603050405020304" pitchFamily="18" charset="0"/>
-                <a:cs typeface="Times New Roman" panose="02020603050405020304" pitchFamily="18" charset="0"/>
-              </a:rPr>
-              <a:t>numpy‑1.13.3+mkl‑cp34‑cp34m‑win32.whl</a:t>
-            </a:r>
-          </a:p>
-          <a:p>
-            <a:pPr marL="901700" indent="-368300">
-              <a:tabLst>
-                <a:tab pos="533400" algn="l"/>
-              </a:tabLst>
-            </a:pPr>
-            <a:r>
-              <a:rPr lang="en-US" sz="2700" dirty="0">
-                <a:solidFill>
-                  <a:schemeClr val="accent6">
-                    <a:lumMod val="75000"/>
-                  </a:schemeClr>
-                </a:solidFill>
-                <a:latin typeface="Times New Roman" panose="02020603050405020304" pitchFamily="18" charset="0"/>
-                <a:cs typeface="Times New Roman" panose="02020603050405020304" pitchFamily="18" charset="0"/>
-              </a:rPr>
-              <a:t>numpy‑1.13.3+mkl‑cp34‑cp34m‑win_amd64.whl</a:t>
-            </a:r>
-          </a:p>
-          <a:p>
-            <a:pPr marL="901700" indent="-368300">
-              <a:tabLst>
-                <a:tab pos="533400" algn="l"/>
-              </a:tabLst>
-            </a:pPr>
-            <a:r>
-              <a:rPr lang="en-US" sz="2700" dirty="0">
-                <a:solidFill>
-                  <a:schemeClr val="accent6">
-                    <a:lumMod val="75000"/>
-                  </a:schemeClr>
-                </a:solidFill>
-                <a:latin typeface="Times New Roman" panose="02020603050405020304" pitchFamily="18" charset="0"/>
-                <a:cs typeface="Times New Roman" panose="02020603050405020304" pitchFamily="18" charset="0"/>
-              </a:rPr>
-              <a:t>numpy‑1.13.3+mkl‑cp35‑cp35m‑win32.whl</a:t>
-            </a:r>
-          </a:p>
-          <a:p>
-            <a:pPr marL="901700" indent="-368300">
-              <a:tabLst>
-                <a:tab pos="533400" algn="l"/>
-              </a:tabLst>
-            </a:pPr>
-            <a:r>
-              <a:rPr lang="en-US" sz="2700" dirty="0">
-                <a:solidFill>
-                  <a:schemeClr val="accent6">
-                    <a:lumMod val="75000"/>
-                  </a:schemeClr>
-                </a:solidFill>
-                <a:latin typeface="Times New Roman" panose="02020603050405020304" pitchFamily="18" charset="0"/>
-                <a:cs typeface="Times New Roman" panose="02020603050405020304" pitchFamily="18" charset="0"/>
-              </a:rPr>
-              <a:t>numpy‑1.13.3+mkl‑cp35‑cp35m‑win_amd64.whl</a:t>
-            </a:r>
-          </a:p>
-          <a:p>
-            <a:pPr marL="901700" indent="-368300">
-              <a:tabLst>
-                <a:tab pos="533400" algn="l"/>
-              </a:tabLst>
-            </a:pPr>
-            <a:r>
-              <a:rPr lang="en-US" sz="2700" dirty="0">
-                <a:solidFill>
-                  <a:schemeClr val="accent6">
-                    <a:lumMod val="75000"/>
-                  </a:schemeClr>
-                </a:solidFill>
-                <a:latin typeface="Times New Roman" panose="02020603050405020304" pitchFamily="18" charset="0"/>
-                <a:cs typeface="Times New Roman" panose="02020603050405020304" pitchFamily="18" charset="0"/>
-              </a:rPr>
-              <a:t>numpy‑1.13.3+mkl‑cp36‑cp36m‑win32.whl</a:t>
-            </a:r>
-          </a:p>
-          <a:p>
-            <a:pPr marL="901700" indent="-368300">
-              <a:tabLst>
-                <a:tab pos="533400" algn="l"/>
-              </a:tabLst>
-            </a:pPr>
-            <a:r>
-              <a:rPr lang="en-US" sz="2700" dirty="0">
-                <a:solidFill>
-                  <a:schemeClr val="accent6">
-                    <a:lumMod val="75000"/>
-                  </a:schemeClr>
-                </a:solidFill>
-                <a:latin typeface="Times New Roman" panose="02020603050405020304" pitchFamily="18" charset="0"/>
-                <a:cs typeface="Times New Roman" panose="02020603050405020304" pitchFamily="18" charset="0"/>
-              </a:rPr>
-              <a:t>numpy‑1.13.3+mkl‑cp36‑cp36m‑win_amd64.whl</a:t>
-            </a:r>
-            <a:endParaRPr lang="en-US" sz="2700" dirty="0" smtClean="0">
+              <a:t>Pillow‑4.3.0‑cp27‑cp27m‑win32.whl</a:t>
+            </a:r>
+            <a:endParaRPr lang="az-Latn-AZ" sz="2400" dirty="0">
               <a:solidFill>
                 <a:schemeClr val="accent6">
                   <a:lumMod val="75000"/>
@@ -12920,25 +12933,138 @@
               <a:cs typeface="Times New Roman" panose="02020603050405020304" pitchFamily="18" charset="0"/>
             </a:endParaRPr>
           </a:p>
+          <a:p>
+            <a:pPr marL="812800" indent="-279400"/>
+            <a:r>
+              <a:rPr lang="az-Latn-AZ" sz="2400" dirty="0">
+                <a:solidFill>
+                  <a:schemeClr val="accent6">
+                    <a:lumMod val="75000"/>
+                  </a:schemeClr>
+                </a:solidFill>
+                <a:latin typeface="Times New Roman" panose="02020603050405020304" pitchFamily="18" charset="0"/>
+                <a:cs typeface="Times New Roman" panose="02020603050405020304" pitchFamily="18" charset="0"/>
+              </a:rPr>
+              <a:t>Pillow‑4.3.0‑cp27‑cp27m‑win_amd64.whl</a:t>
+            </a:r>
+          </a:p>
+          <a:p>
+            <a:pPr marL="812800" indent="-279400"/>
+            <a:r>
+              <a:rPr lang="az-Latn-AZ" sz="2400" dirty="0" smtClean="0">
+                <a:solidFill>
+                  <a:schemeClr val="accent6">
+                    <a:lumMod val="75000"/>
+                  </a:schemeClr>
+                </a:solidFill>
+                <a:latin typeface="Times New Roman" panose="02020603050405020304" pitchFamily="18" charset="0"/>
+                <a:cs typeface="Times New Roman" panose="02020603050405020304" pitchFamily="18" charset="0"/>
+              </a:rPr>
+              <a:t>Pillow‑4.3.0‑cp35‑cp35m‑win32.whl</a:t>
+            </a:r>
+            <a:endParaRPr lang="az-Latn-AZ" sz="2400" dirty="0">
+              <a:solidFill>
+                <a:schemeClr val="accent6">
+                  <a:lumMod val="75000"/>
+                </a:schemeClr>
+              </a:solidFill>
+              <a:latin typeface="Times New Roman" panose="02020603050405020304" pitchFamily="18" charset="0"/>
+              <a:cs typeface="Times New Roman" panose="02020603050405020304" pitchFamily="18" charset="0"/>
+            </a:endParaRPr>
+          </a:p>
+          <a:p>
+            <a:pPr marL="812800" indent="-279400"/>
+            <a:r>
+              <a:rPr lang="az-Latn-AZ" sz="2400" dirty="0">
+                <a:solidFill>
+                  <a:schemeClr val="accent6">
+                    <a:lumMod val="75000"/>
+                  </a:schemeClr>
+                </a:solidFill>
+                <a:latin typeface="Times New Roman" panose="02020603050405020304" pitchFamily="18" charset="0"/>
+                <a:cs typeface="Times New Roman" panose="02020603050405020304" pitchFamily="18" charset="0"/>
+              </a:rPr>
+              <a:t>Pillow‑4.3.0‑cp35‑cp35m‑win_amd64.whl</a:t>
+            </a:r>
+          </a:p>
+          <a:p>
+            <a:pPr marL="812800" indent="-279400"/>
+            <a:r>
+              <a:rPr lang="az-Latn-AZ" sz="2400" dirty="0">
+                <a:solidFill>
+                  <a:schemeClr val="accent6">
+                    <a:lumMod val="75000"/>
+                  </a:schemeClr>
+                </a:solidFill>
+                <a:latin typeface="Times New Roman" panose="02020603050405020304" pitchFamily="18" charset="0"/>
+                <a:cs typeface="Times New Roman" panose="02020603050405020304" pitchFamily="18" charset="0"/>
+              </a:rPr>
+              <a:t>Pillow‑4.3.0‑cp36‑cp36m‑win32.whl</a:t>
+            </a:r>
+          </a:p>
+          <a:p>
+            <a:pPr marL="812800" indent="-279400"/>
+            <a:r>
+              <a:rPr lang="az-Latn-AZ" sz="2400" dirty="0" smtClean="0">
+                <a:solidFill>
+                  <a:schemeClr val="accent6">
+                    <a:lumMod val="75000"/>
+                  </a:schemeClr>
+                </a:solidFill>
+                <a:latin typeface="Times New Roman" panose="02020603050405020304" pitchFamily="18" charset="0"/>
+                <a:cs typeface="Times New Roman" panose="02020603050405020304" pitchFamily="18" charset="0"/>
+              </a:rPr>
+              <a:t>Pillow‑4.3.0‑cp36‑cp36m‑win_amd64.whl</a:t>
+            </a:r>
+          </a:p>
+          <a:p>
+            <a:pPr marL="812800" indent="-279400"/>
+            <a:r>
+              <a:rPr lang="ru-RU" sz="2400" dirty="0">
+                <a:solidFill>
+                  <a:schemeClr val="accent6">
+                    <a:lumMod val="75000"/>
+                  </a:schemeClr>
+                </a:solidFill>
+                <a:latin typeface="Times New Roman" panose="02020603050405020304" pitchFamily="18" charset="0"/>
+                <a:cs typeface="Times New Roman" panose="02020603050405020304" pitchFamily="18" charset="0"/>
+              </a:rPr>
+              <a:t>и</a:t>
+            </a:r>
+            <a:r>
+              <a:rPr lang="ru-RU" sz="2400" dirty="0" smtClean="0">
+                <a:solidFill>
+                  <a:schemeClr val="accent6">
+                    <a:lumMod val="75000"/>
+                  </a:schemeClr>
+                </a:solidFill>
+                <a:latin typeface="Times New Roman" panose="02020603050405020304" pitchFamily="18" charset="0"/>
+                <a:cs typeface="Times New Roman" panose="02020603050405020304" pitchFamily="18" charset="0"/>
+              </a:rPr>
+              <a:t> т.д.</a:t>
+            </a:r>
+            <a:endParaRPr lang="az-Latn-AZ" sz="2400" dirty="0">
+              <a:solidFill>
+                <a:schemeClr val="accent6">
+                  <a:lumMod val="75000"/>
+                </a:schemeClr>
+              </a:solidFill>
+              <a:latin typeface="Times New Roman" panose="02020603050405020304" pitchFamily="18" charset="0"/>
+              <a:cs typeface="Times New Roman" panose="02020603050405020304" pitchFamily="18" charset="0"/>
+            </a:endParaRPr>
+          </a:p>
         </p:txBody>
       </p:sp>
     </p:spTree>
     <p:extLst>
       <p:ext uri="{BB962C8B-B14F-4D97-AF65-F5344CB8AC3E}">
-        <p14:creationId xmlns:p14="http://schemas.microsoft.com/office/powerpoint/2010/main" val="742664890"/>
+        <p14:creationId xmlns:p14="http://schemas.microsoft.com/office/powerpoint/2010/main" val="911604711"/>
       </p:ext>
     </p:extLst>
   </p:cSld>
   <p:clrMapOvr>
     <a:masterClrMapping/>
   </p:clrMapOvr>
-  <p:timing>
-    <p:tnLst>
-      <p:par>
-        <p:cTn id="1" dur="indefinite" restart="never" nodeType="tmRoot"/>
-      </p:par>
-    </p:tnLst>
-  </p:timing>
 </p:sld>
 </file>
 
@@ -13040,6 +13166,293 @@
 </file>
 
 <file path=ppt/slides/slide30.xml><?xml version="1.0" encoding="utf-8"?>
+<p:sld xmlns:a="http://schemas.openxmlformats.org/drawingml/2006/main" xmlns:r="http://schemas.openxmlformats.org/officeDocument/2006/relationships" xmlns:p="http://schemas.openxmlformats.org/presentationml/2006/main">
+  <p:cSld>
+    <p:spTree>
+      <p:nvGrpSpPr>
+        <p:cNvPr id="1" name=""/>
+        <p:cNvGrpSpPr/>
+        <p:nvPr/>
+      </p:nvGrpSpPr>
+      <p:grpSpPr>
+        <a:xfrm>
+          <a:off x="0" y="0"/>
+          <a:ext cx="0" cy="0"/>
+          <a:chOff x="0" y="0"/>
+          <a:chExt cx="0" cy="0"/>
+        </a:xfrm>
+      </p:grpSpPr>
+      <p:sp>
+        <p:nvSpPr>
+          <p:cNvPr id="2" name="Заголовок 1"/>
+          <p:cNvSpPr>
+            <a:spLocks noGrp="1"/>
+          </p:cNvSpPr>
+          <p:nvPr>
+            <p:ph type="title"/>
+          </p:nvPr>
+        </p:nvSpPr>
+        <p:spPr/>
+        <p:txBody>
+          <a:bodyPr/>
+          <a:lstStyle/>
+          <a:p>
+            <a:r>
+              <a:rPr lang="en-US" dirty="0" err="1" smtClean="0"/>
+              <a:t>numpy</a:t>
+            </a:r>
+            <a:r>
+              <a:rPr lang="ru-RU" dirty="0" smtClean="0"/>
+              <a:t>+</a:t>
+            </a:r>
+            <a:r>
+              <a:rPr lang="en-US" dirty="0" smtClean="0"/>
+              <a:t>MKL</a:t>
+            </a:r>
+            <a:endParaRPr lang="ru-RU" dirty="0"/>
+          </a:p>
+        </p:txBody>
+      </p:sp>
+      <p:sp>
+        <p:nvSpPr>
+          <p:cNvPr id="3" name="Объект 2"/>
+          <p:cNvSpPr>
+            <a:spLocks noGrp="1"/>
+          </p:cNvSpPr>
+          <p:nvPr>
+            <p:ph idx="1"/>
+          </p:nvPr>
+        </p:nvSpPr>
+        <p:spPr/>
+        <p:txBody>
+          <a:bodyPr>
+            <a:normAutofit fontScale="92500" lnSpcReduction="10000"/>
+          </a:bodyPr>
+          <a:lstStyle/>
+          <a:p>
+            <a:pPr marL="533400" indent="-533400">
+              <a:buAutoNum type="arabicPeriod" startAt="3"/>
+              <a:tabLst>
+                <a:tab pos="533400" algn="l"/>
+              </a:tabLst>
+            </a:pPr>
+            <a:r>
+              <a:rPr lang="ru-RU" sz="2700" dirty="0" smtClean="0"/>
+              <a:t>колесо для </a:t>
+            </a:r>
+            <a:r>
+              <a:rPr lang="en-US" sz="2700" dirty="0" err="1" smtClean="0"/>
+              <a:t>numpy</a:t>
+            </a:r>
+            <a:r>
+              <a:rPr lang="en-US" sz="2700" dirty="0" smtClean="0"/>
+              <a:t> (&gt;100MB): </a:t>
+            </a:r>
+            <a:r>
+              <a:rPr lang="ru-RU" sz="2700" dirty="0" smtClean="0"/>
+              <a:t/>
+            </a:r>
+            <a:br>
+              <a:rPr lang="ru-RU" sz="2700" dirty="0" smtClean="0"/>
+            </a:br>
+            <a:r>
+              <a:rPr lang="ru-RU" sz="2700" dirty="0" smtClean="0"/>
+              <a:t>надо выбрать свою версию </a:t>
+            </a:r>
+            <a:r>
+              <a:rPr lang="ru-RU" sz="2700" dirty="0"/>
+              <a:t>и разрядность </a:t>
+            </a:r>
+            <a:r>
+              <a:rPr lang="ru-RU" sz="2700" dirty="0" smtClean="0"/>
+              <a:t>Питона:</a:t>
+            </a:r>
+            <a:endParaRPr lang="en-US" sz="2700" dirty="0" smtClean="0"/>
+          </a:p>
+          <a:p>
+            <a:pPr marL="901700" indent="-368300">
+              <a:tabLst>
+                <a:tab pos="533400" algn="l"/>
+              </a:tabLst>
+            </a:pPr>
+            <a:r>
+              <a:rPr lang="en-US" sz="2700" dirty="0">
+                <a:solidFill>
+                  <a:schemeClr val="accent6">
+                    <a:lumMod val="75000"/>
+                  </a:schemeClr>
+                </a:solidFill>
+                <a:latin typeface="Times New Roman" panose="02020603050405020304" pitchFamily="18" charset="0"/>
+                <a:cs typeface="Times New Roman" panose="02020603050405020304" pitchFamily="18" charset="0"/>
+              </a:rPr>
+              <a:t>numpy‑1.13.3+mkl‑cp27‑cp27m‑win32.whl</a:t>
+            </a:r>
+          </a:p>
+          <a:p>
+            <a:pPr marL="901700" indent="-368300">
+              <a:tabLst>
+                <a:tab pos="533400" algn="l"/>
+              </a:tabLst>
+            </a:pPr>
+            <a:r>
+              <a:rPr lang="en-US" sz="2700" dirty="0">
+                <a:solidFill>
+                  <a:schemeClr val="accent6">
+                    <a:lumMod val="75000"/>
+                  </a:schemeClr>
+                </a:solidFill>
+                <a:latin typeface="Times New Roman" panose="02020603050405020304" pitchFamily="18" charset="0"/>
+                <a:cs typeface="Times New Roman" panose="02020603050405020304" pitchFamily="18" charset="0"/>
+              </a:rPr>
+              <a:t>numpy‑1.13.3+mkl‑cp27‑cp27m‑win_amd64.whl</a:t>
+            </a:r>
+          </a:p>
+          <a:p>
+            <a:pPr marL="901700" indent="-368300">
+              <a:tabLst>
+                <a:tab pos="533400" algn="l"/>
+              </a:tabLst>
+            </a:pPr>
+            <a:r>
+              <a:rPr lang="en-US" sz="2700" dirty="0">
+                <a:solidFill>
+                  <a:schemeClr val="accent6">
+                    <a:lumMod val="75000"/>
+                  </a:schemeClr>
+                </a:solidFill>
+                <a:latin typeface="Times New Roman" panose="02020603050405020304" pitchFamily="18" charset="0"/>
+                <a:cs typeface="Times New Roman" panose="02020603050405020304" pitchFamily="18" charset="0"/>
+              </a:rPr>
+              <a:t>numpy‑1.13.3+mkl‑cp34‑cp34m‑win32.whl</a:t>
+            </a:r>
+          </a:p>
+          <a:p>
+            <a:pPr marL="901700" indent="-368300">
+              <a:tabLst>
+                <a:tab pos="533400" algn="l"/>
+              </a:tabLst>
+            </a:pPr>
+            <a:r>
+              <a:rPr lang="en-US" sz="2700" dirty="0">
+                <a:solidFill>
+                  <a:schemeClr val="accent6">
+                    <a:lumMod val="75000"/>
+                  </a:schemeClr>
+                </a:solidFill>
+                <a:latin typeface="Times New Roman" panose="02020603050405020304" pitchFamily="18" charset="0"/>
+                <a:cs typeface="Times New Roman" panose="02020603050405020304" pitchFamily="18" charset="0"/>
+              </a:rPr>
+              <a:t>numpy‑1.13.3+mkl‑cp34‑cp34m‑win_amd64.whl</a:t>
+            </a:r>
+          </a:p>
+          <a:p>
+            <a:pPr marL="901700" indent="-368300">
+              <a:tabLst>
+                <a:tab pos="533400" algn="l"/>
+              </a:tabLst>
+            </a:pPr>
+            <a:r>
+              <a:rPr lang="en-US" sz="2700" dirty="0">
+                <a:solidFill>
+                  <a:schemeClr val="accent6">
+                    <a:lumMod val="75000"/>
+                  </a:schemeClr>
+                </a:solidFill>
+                <a:latin typeface="Times New Roman" panose="02020603050405020304" pitchFamily="18" charset="0"/>
+                <a:cs typeface="Times New Roman" panose="02020603050405020304" pitchFamily="18" charset="0"/>
+              </a:rPr>
+              <a:t>numpy‑1.13.3+mkl‑cp35‑cp35m‑win32.whl</a:t>
+            </a:r>
+          </a:p>
+          <a:p>
+            <a:pPr marL="901700" indent="-368300">
+              <a:tabLst>
+                <a:tab pos="533400" algn="l"/>
+              </a:tabLst>
+            </a:pPr>
+            <a:r>
+              <a:rPr lang="en-US" sz="2700" dirty="0">
+                <a:solidFill>
+                  <a:schemeClr val="accent6">
+                    <a:lumMod val="75000"/>
+                  </a:schemeClr>
+                </a:solidFill>
+                <a:latin typeface="Times New Roman" panose="02020603050405020304" pitchFamily="18" charset="0"/>
+                <a:cs typeface="Times New Roman" panose="02020603050405020304" pitchFamily="18" charset="0"/>
+              </a:rPr>
+              <a:t>numpy‑1.13.3+mkl‑cp35‑cp35m‑win_amd64.whl</a:t>
+            </a:r>
+          </a:p>
+          <a:p>
+            <a:pPr marL="901700" indent="-368300">
+              <a:tabLst>
+                <a:tab pos="533400" algn="l"/>
+              </a:tabLst>
+            </a:pPr>
+            <a:r>
+              <a:rPr lang="en-US" sz="2700" dirty="0">
+                <a:solidFill>
+                  <a:schemeClr val="accent6">
+                    <a:lumMod val="75000"/>
+                  </a:schemeClr>
+                </a:solidFill>
+                <a:latin typeface="Times New Roman" panose="02020603050405020304" pitchFamily="18" charset="0"/>
+                <a:cs typeface="Times New Roman" panose="02020603050405020304" pitchFamily="18" charset="0"/>
+              </a:rPr>
+              <a:t>numpy‑1.13.3+mkl‑cp36‑cp36m‑win32.whl</a:t>
+            </a:r>
+          </a:p>
+          <a:p>
+            <a:pPr marL="901700" indent="-368300">
+              <a:tabLst>
+                <a:tab pos="533400" algn="l"/>
+              </a:tabLst>
+            </a:pPr>
+            <a:r>
+              <a:rPr lang="en-US" sz="2700" dirty="0">
+                <a:solidFill>
+                  <a:schemeClr val="accent6">
+                    <a:lumMod val="75000"/>
+                  </a:schemeClr>
+                </a:solidFill>
+                <a:latin typeface="Times New Roman" panose="02020603050405020304" pitchFamily="18" charset="0"/>
+                <a:cs typeface="Times New Roman" panose="02020603050405020304" pitchFamily="18" charset="0"/>
+              </a:rPr>
+              <a:t>numpy‑1.13.3+mkl‑cp36‑cp36m‑win_amd64.whl</a:t>
+            </a:r>
+            <a:endParaRPr lang="en-US" sz="2700" dirty="0" smtClean="0">
+              <a:solidFill>
+                <a:schemeClr val="accent6">
+                  <a:lumMod val="75000"/>
+                </a:schemeClr>
+              </a:solidFill>
+              <a:latin typeface="Times New Roman" panose="02020603050405020304" pitchFamily="18" charset="0"/>
+              <a:cs typeface="Times New Roman" panose="02020603050405020304" pitchFamily="18" charset="0"/>
+            </a:endParaRPr>
+          </a:p>
+        </p:txBody>
+      </p:sp>
+    </p:spTree>
+    <p:extLst>
+      <p:ext uri="{BB962C8B-B14F-4D97-AF65-F5344CB8AC3E}">
+        <p14:creationId xmlns:p14="http://schemas.microsoft.com/office/powerpoint/2010/main" val="742664890"/>
+      </p:ext>
+    </p:extLst>
+  </p:cSld>
+  <p:clrMapOvr>
+    <a:masterClrMapping/>
+  </p:clrMapOvr>
+  <p:timing>
+    <p:tnLst>
+      <p:par>
+        <p:cTn id="1" dur="indefinite" restart="never" nodeType="tmRoot"/>
+      </p:par>
+    </p:tnLst>
+  </p:timing>
+</p:sld>
+</file>
+
+<file path=ppt/slides/slide31.xml><?xml version="1.0" encoding="utf-8"?>
 <p:sld xmlns:a="http://schemas.openxmlformats.org/drawingml/2006/main" xmlns:r="http://schemas.openxmlformats.org/officeDocument/2006/relationships" xmlns:p="http://schemas.openxmlformats.org/presentationml/2006/main">
   <p:cSld>
     <p:spTree>
